--- a/jobreco/docs/presentation.pptx
+++ b/jobreco/docs/presentation.pptx
@@ -2,10 +2,14 @@
 <file path=ppt/presentation.xml><?xml version="1.0" encoding="utf-8"?>
 <p:presentation xmlns:a="http://schemas.openxmlformats.org/drawingml/2006/main" xmlns:r="http://schemas.openxmlformats.org/officeDocument/2006/relationships" xmlns:p="http://schemas.openxmlformats.org/presentationml/2006/main" saveSubsetFonts="1">
   <p:sldMasterIdLst>
-    <p:sldMasterId id="2147483648" r:id="rId1"/>
+    <p:sldMasterId id="2147483981" r:id="rId1"/>
   </p:sldMasterIdLst>
+  <p:notesMasterIdLst>
+    <p:notesMasterId r:id="rId4"/>
+  </p:notesMasterIdLst>
   <p:sldIdLst>
     <p:sldId id="257" r:id="rId2"/>
+    <p:sldId id="258" r:id="rId3"/>
   </p:sldIdLst>
   <p:sldSz cx="9144000" cy="6858000" type="screen4x3"/>
   <p:notesSz cx="6858000" cy="9144000"/>
@@ -104,7 +108,457 @@
       </a:defRPr>
     </a:lvl9pPr>
   </p:defaultTextStyle>
+  <p:extLst>
+    <p:ext uri="{EFAFB233-063F-42B5-8137-9DF3F51BA10A}">
+      <p15:sldGuideLst xmlns:p15="http://schemas.microsoft.com/office/powerpoint/2012/main">
+        <p15:guide id="1" orient="horz" pos="2160">
+          <p15:clr>
+            <a:srgbClr val="A4A3A4"/>
+          </p15:clr>
+        </p15:guide>
+        <p15:guide id="2" pos="2880">
+          <p15:clr>
+            <a:srgbClr val="A4A3A4"/>
+          </p15:clr>
+        </p15:guide>
+      </p15:sldGuideLst>
+    </p:ext>
+  </p:extLst>
 </p:presentation>
+</file>
+
+<file path=ppt/notesMasters/notesMaster1.xml><?xml version="1.0" encoding="utf-8"?>
+<p:notesMaster xmlns:a="http://schemas.openxmlformats.org/drawingml/2006/main" xmlns:r="http://schemas.openxmlformats.org/officeDocument/2006/relationships" xmlns:p="http://schemas.openxmlformats.org/presentationml/2006/main">
+  <p:cSld>
+    <p:bg>
+      <p:bgRef idx="1001">
+        <a:schemeClr val="bg1"/>
+      </p:bgRef>
+    </p:bg>
+    <p:spTree>
+      <p:nvGrpSpPr>
+        <p:cNvPr id="1" name=""/>
+        <p:cNvGrpSpPr/>
+        <p:nvPr/>
+      </p:nvGrpSpPr>
+      <p:grpSpPr>
+        <a:xfrm>
+          <a:off x="0" y="0"/>
+          <a:ext cx="0" cy="0"/>
+          <a:chOff x="0" y="0"/>
+          <a:chExt cx="0" cy="0"/>
+        </a:xfrm>
+      </p:grpSpPr>
+      <p:sp>
+        <p:nvSpPr>
+          <p:cNvPr id="2" name="Header Placeholder 1"/>
+          <p:cNvSpPr>
+            <a:spLocks noGrp="1"/>
+          </p:cNvSpPr>
+          <p:nvPr>
+            <p:ph type="hdr" sz="quarter"/>
+          </p:nvPr>
+        </p:nvSpPr>
+        <p:spPr>
+          <a:xfrm>
+            <a:off x="0" y="0"/>
+            <a:ext cx="2971800" cy="458788"/>
+          </a:xfrm>
+          <a:prstGeom prst="rect">
+            <a:avLst/>
+          </a:prstGeom>
+        </p:spPr>
+        <p:txBody>
+          <a:bodyPr vert="horz" lIns="91440" tIns="45720" rIns="91440" bIns="45720" rtlCol="0"/>
+          <a:lstStyle>
+            <a:lvl1pPr algn="l">
+              <a:defRPr sz="1200"/>
+            </a:lvl1pPr>
+          </a:lstStyle>
+          <a:p>
+            <a:endParaRPr lang="en-US"/>
+          </a:p>
+        </p:txBody>
+      </p:sp>
+      <p:sp>
+        <p:nvSpPr>
+          <p:cNvPr id="3" name="Date Placeholder 2"/>
+          <p:cNvSpPr>
+            <a:spLocks noGrp="1"/>
+          </p:cNvSpPr>
+          <p:nvPr>
+            <p:ph type="dt" idx="1"/>
+          </p:nvPr>
+        </p:nvSpPr>
+        <p:spPr>
+          <a:xfrm>
+            <a:off x="3884613" y="0"/>
+            <a:ext cx="2971800" cy="458788"/>
+          </a:xfrm>
+          <a:prstGeom prst="rect">
+            <a:avLst/>
+          </a:prstGeom>
+        </p:spPr>
+        <p:txBody>
+          <a:bodyPr vert="horz" lIns="91440" tIns="45720" rIns="91440" bIns="45720" rtlCol="0"/>
+          <a:lstStyle>
+            <a:lvl1pPr algn="r">
+              <a:defRPr sz="1200"/>
+            </a:lvl1pPr>
+          </a:lstStyle>
+          <a:p>
+            <a:fld id="{60DD20AD-004C-4821-A0A5-F6113291F1C2}" type="datetimeFigureOut">
+              <a:rPr lang="en-US" smtClean="0"/>
+              <a:t>11/15/2014</a:t>
+            </a:fld>
+            <a:endParaRPr lang="en-US"/>
+          </a:p>
+        </p:txBody>
+      </p:sp>
+      <p:sp>
+        <p:nvSpPr>
+          <p:cNvPr id="4" name="Slide Image Placeholder 3"/>
+          <p:cNvSpPr>
+            <a:spLocks noGrp="1" noRot="1" noChangeAspect="1"/>
+          </p:cNvSpPr>
+          <p:nvPr>
+            <p:ph type="sldImg" idx="2"/>
+          </p:nvPr>
+        </p:nvSpPr>
+        <p:spPr>
+          <a:xfrm>
+            <a:off x="1371600" y="1143000"/>
+            <a:ext cx="4114800" cy="3086100"/>
+          </a:xfrm>
+          <a:prstGeom prst="rect">
+            <a:avLst/>
+          </a:prstGeom>
+          <a:noFill/>
+          <a:ln w="12700">
+            <a:solidFill>
+              <a:prstClr val="black"/>
+            </a:solidFill>
+          </a:ln>
+        </p:spPr>
+        <p:txBody>
+          <a:bodyPr vert="horz" lIns="91440" tIns="45720" rIns="91440" bIns="45720" rtlCol="0" anchor="ctr"/>
+          <a:lstStyle/>
+          <a:p>
+            <a:endParaRPr lang="en-US"/>
+          </a:p>
+        </p:txBody>
+      </p:sp>
+      <p:sp>
+        <p:nvSpPr>
+          <p:cNvPr id="5" name="Notes Placeholder 4"/>
+          <p:cNvSpPr>
+            <a:spLocks noGrp="1"/>
+          </p:cNvSpPr>
+          <p:nvPr>
+            <p:ph type="body" sz="quarter" idx="3"/>
+          </p:nvPr>
+        </p:nvSpPr>
+        <p:spPr>
+          <a:xfrm>
+            <a:off x="685800" y="4400550"/>
+            <a:ext cx="5486400" cy="3600450"/>
+          </a:xfrm>
+          <a:prstGeom prst="rect">
+            <a:avLst/>
+          </a:prstGeom>
+        </p:spPr>
+        <p:txBody>
+          <a:bodyPr vert="horz" lIns="91440" tIns="45720" rIns="91440" bIns="45720" rtlCol="0"/>
+          <a:lstStyle/>
+          <a:p>
+            <a:pPr lvl="0"/>
+            <a:r>
+              <a:rPr lang="en-US" smtClean="0"/>
+              <a:t>Click to edit Master text styles</a:t>
+            </a:r>
+          </a:p>
+          <a:p>
+            <a:pPr lvl="1"/>
+            <a:r>
+              <a:rPr lang="en-US" smtClean="0"/>
+              <a:t>Second level</a:t>
+            </a:r>
+          </a:p>
+          <a:p>
+            <a:pPr lvl="2"/>
+            <a:r>
+              <a:rPr lang="en-US" smtClean="0"/>
+              <a:t>Third level</a:t>
+            </a:r>
+          </a:p>
+          <a:p>
+            <a:pPr lvl="3"/>
+            <a:r>
+              <a:rPr lang="en-US" smtClean="0"/>
+              <a:t>Fourth level</a:t>
+            </a:r>
+          </a:p>
+          <a:p>
+            <a:pPr lvl="4"/>
+            <a:r>
+              <a:rPr lang="en-US" smtClean="0"/>
+              <a:t>Fifth level</a:t>
+            </a:r>
+            <a:endParaRPr lang="en-US"/>
+          </a:p>
+        </p:txBody>
+      </p:sp>
+      <p:sp>
+        <p:nvSpPr>
+          <p:cNvPr id="6" name="Footer Placeholder 5"/>
+          <p:cNvSpPr>
+            <a:spLocks noGrp="1"/>
+          </p:cNvSpPr>
+          <p:nvPr>
+            <p:ph type="ftr" sz="quarter" idx="4"/>
+          </p:nvPr>
+        </p:nvSpPr>
+        <p:spPr>
+          <a:xfrm>
+            <a:off x="0" y="8685213"/>
+            <a:ext cx="2971800" cy="458787"/>
+          </a:xfrm>
+          <a:prstGeom prst="rect">
+            <a:avLst/>
+          </a:prstGeom>
+        </p:spPr>
+        <p:txBody>
+          <a:bodyPr vert="horz" lIns="91440" tIns="45720" rIns="91440" bIns="45720" rtlCol="0" anchor="b"/>
+          <a:lstStyle>
+            <a:lvl1pPr algn="l">
+              <a:defRPr sz="1200"/>
+            </a:lvl1pPr>
+          </a:lstStyle>
+          <a:p>
+            <a:endParaRPr lang="en-US"/>
+          </a:p>
+        </p:txBody>
+      </p:sp>
+      <p:sp>
+        <p:nvSpPr>
+          <p:cNvPr id="7" name="Slide Number Placeholder 6"/>
+          <p:cNvSpPr>
+            <a:spLocks noGrp="1"/>
+          </p:cNvSpPr>
+          <p:nvPr>
+            <p:ph type="sldNum" sz="quarter" idx="5"/>
+          </p:nvPr>
+        </p:nvSpPr>
+        <p:spPr>
+          <a:xfrm>
+            <a:off x="3884613" y="8685213"/>
+            <a:ext cx="2971800" cy="458787"/>
+          </a:xfrm>
+          <a:prstGeom prst="rect">
+            <a:avLst/>
+          </a:prstGeom>
+        </p:spPr>
+        <p:txBody>
+          <a:bodyPr vert="horz" lIns="91440" tIns="45720" rIns="91440" bIns="45720" rtlCol="0" anchor="b"/>
+          <a:lstStyle>
+            <a:lvl1pPr algn="r">
+              <a:defRPr sz="1200"/>
+            </a:lvl1pPr>
+          </a:lstStyle>
+          <a:p>
+            <a:fld id="{D5E35FF6-6203-4D6E-9316-3C32AEDD92AC}" type="slidenum">
+              <a:rPr lang="en-US" smtClean="0"/>
+              <a:t>‹#›</a:t>
+            </a:fld>
+            <a:endParaRPr lang="en-US"/>
+          </a:p>
+        </p:txBody>
+      </p:sp>
+    </p:spTree>
+    <p:extLst>
+      <p:ext uri="{BB962C8B-B14F-4D97-AF65-F5344CB8AC3E}">
+        <p14:creationId xmlns:p14="http://schemas.microsoft.com/office/powerpoint/2010/main" val="665528293"/>
+      </p:ext>
+    </p:extLst>
+  </p:cSld>
+  <p:clrMap bg1="lt1" tx1="dk1" bg2="lt2" tx2="dk2" accent1="accent1" accent2="accent2" accent3="accent3" accent4="accent4" accent5="accent5" accent6="accent6" hlink="hlink" folHlink="folHlink"/>
+  <p:notesStyle>
+    <a:lvl1pPr marL="0" algn="l" defTabSz="914400" rtl="0" eaLnBrk="1" latinLnBrk="0" hangingPunct="1">
+      <a:defRPr sz="1200" kern="1200">
+        <a:solidFill>
+          <a:schemeClr val="tx1"/>
+        </a:solidFill>
+        <a:latin typeface="+mn-lt"/>
+        <a:ea typeface="+mn-ea"/>
+        <a:cs typeface="+mn-cs"/>
+      </a:defRPr>
+    </a:lvl1pPr>
+    <a:lvl2pPr marL="457200" algn="l" defTabSz="914400" rtl="0" eaLnBrk="1" latinLnBrk="0" hangingPunct="1">
+      <a:defRPr sz="1200" kern="1200">
+        <a:solidFill>
+          <a:schemeClr val="tx1"/>
+        </a:solidFill>
+        <a:latin typeface="+mn-lt"/>
+        <a:ea typeface="+mn-ea"/>
+        <a:cs typeface="+mn-cs"/>
+      </a:defRPr>
+    </a:lvl2pPr>
+    <a:lvl3pPr marL="914400" algn="l" defTabSz="914400" rtl="0" eaLnBrk="1" latinLnBrk="0" hangingPunct="1">
+      <a:defRPr sz="1200" kern="1200">
+        <a:solidFill>
+          <a:schemeClr val="tx1"/>
+        </a:solidFill>
+        <a:latin typeface="+mn-lt"/>
+        <a:ea typeface="+mn-ea"/>
+        <a:cs typeface="+mn-cs"/>
+      </a:defRPr>
+    </a:lvl3pPr>
+    <a:lvl4pPr marL="1371600" algn="l" defTabSz="914400" rtl="0" eaLnBrk="1" latinLnBrk="0" hangingPunct="1">
+      <a:defRPr sz="1200" kern="1200">
+        <a:solidFill>
+          <a:schemeClr val="tx1"/>
+        </a:solidFill>
+        <a:latin typeface="+mn-lt"/>
+        <a:ea typeface="+mn-ea"/>
+        <a:cs typeface="+mn-cs"/>
+      </a:defRPr>
+    </a:lvl4pPr>
+    <a:lvl5pPr marL="1828800" algn="l" defTabSz="914400" rtl="0" eaLnBrk="1" latinLnBrk="0" hangingPunct="1">
+      <a:defRPr sz="1200" kern="1200">
+        <a:solidFill>
+          <a:schemeClr val="tx1"/>
+        </a:solidFill>
+        <a:latin typeface="+mn-lt"/>
+        <a:ea typeface="+mn-ea"/>
+        <a:cs typeface="+mn-cs"/>
+      </a:defRPr>
+    </a:lvl5pPr>
+    <a:lvl6pPr marL="2286000" algn="l" defTabSz="914400" rtl="0" eaLnBrk="1" latinLnBrk="0" hangingPunct="1">
+      <a:defRPr sz="1200" kern="1200">
+        <a:solidFill>
+          <a:schemeClr val="tx1"/>
+        </a:solidFill>
+        <a:latin typeface="+mn-lt"/>
+        <a:ea typeface="+mn-ea"/>
+        <a:cs typeface="+mn-cs"/>
+      </a:defRPr>
+    </a:lvl6pPr>
+    <a:lvl7pPr marL="2743200" algn="l" defTabSz="914400" rtl="0" eaLnBrk="1" latinLnBrk="0" hangingPunct="1">
+      <a:defRPr sz="1200" kern="1200">
+        <a:solidFill>
+          <a:schemeClr val="tx1"/>
+        </a:solidFill>
+        <a:latin typeface="+mn-lt"/>
+        <a:ea typeface="+mn-ea"/>
+        <a:cs typeface="+mn-cs"/>
+      </a:defRPr>
+    </a:lvl7pPr>
+    <a:lvl8pPr marL="3200400" algn="l" defTabSz="914400" rtl="0" eaLnBrk="1" latinLnBrk="0" hangingPunct="1">
+      <a:defRPr sz="1200" kern="1200">
+        <a:solidFill>
+          <a:schemeClr val="tx1"/>
+        </a:solidFill>
+        <a:latin typeface="+mn-lt"/>
+        <a:ea typeface="+mn-ea"/>
+        <a:cs typeface="+mn-cs"/>
+      </a:defRPr>
+    </a:lvl8pPr>
+    <a:lvl9pPr marL="3657600" algn="l" defTabSz="914400" rtl="0" eaLnBrk="1" latinLnBrk="0" hangingPunct="1">
+      <a:defRPr sz="1200" kern="1200">
+        <a:solidFill>
+          <a:schemeClr val="tx1"/>
+        </a:solidFill>
+        <a:latin typeface="+mn-lt"/>
+        <a:ea typeface="+mn-ea"/>
+        <a:cs typeface="+mn-cs"/>
+      </a:defRPr>
+    </a:lvl9pPr>
+  </p:notesStyle>
+</p:notesMaster>
+</file>
+
+<file path=ppt/notesSlides/notesSlide1.xml><?xml version="1.0" encoding="utf-8"?>
+<p:notes xmlns:a="http://schemas.openxmlformats.org/drawingml/2006/main" xmlns:r="http://schemas.openxmlformats.org/officeDocument/2006/relationships" xmlns:p="http://schemas.openxmlformats.org/presentationml/2006/main">
+  <p:cSld>
+    <p:spTree>
+      <p:nvGrpSpPr>
+        <p:cNvPr id="1" name=""/>
+        <p:cNvGrpSpPr/>
+        <p:nvPr/>
+      </p:nvGrpSpPr>
+      <p:grpSpPr>
+        <a:xfrm>
+          <a:off x="0" y="0"/>
+          <a:ext cx="0" cy="0"/>
+          <a:chOff x="0" y="0"/>
+          <a:chExt cx="0" cy="0"/>
+        </a:xfrm>
+      </p:grpSpPr>
+      <p:sp>
+        <p:nvSpPr>
+          <p:cNvPr id="2" name="Slide Image Placeholder 1"/>
+          <p:cNvSpPr>
+            <a:spLocks noGrp="1" noRot="1" noChangeAspect="1"/>
+          </p:cNvSpPr>
+          <p:nvPr>
+            <p:ph type="sldImg"/>
+          </p:nvPr>
+        </p:nvSpPr>
+        <p:spPr/>
+      </p:sp>
+      <p:sp>
+        <p:nvSpPr>
+          <p:cNvPr id="3" name="Notes Placeholder 2"/>
+          <p:cNvSpPr>
+            <a:spLocks noGrp="1"/>
+          </p:cNvSpPr>
+          <p:nvPr>
+            <p:ph type="body" idx="1"/>
+          </p:nvPr>
+        </p:nvSpPr>
+        <p:spPr/>
+        <p:txBody>
+          <a:bodyPr/>
+          <a:lstStyle/>
+          <a:p>
+            <a:endParaRPr lang="en-US" dirty="0"/>
+          </a:p>
+        </p:txBody>
+      </p:sp>
+      <p:sp>
+        <p:nvSpPr>
+          <p:cNvPr id="4" name="Slide Number Placeholder 3"/>
+          <p:cNvSpPr>
+            <a:spLocks noGrp="1"/>
+          </p:cNvSpPr>
+          <p:nvPr>
+            <p:ph type="sldNum" sz="quarter" idx="10"/>
+          </p:nvPr>
+        </p:nvSpPr>
+        <p:spPr/>
+        <p:txBody>
+          <a:bodyPr/>
+          <a:lstStyle/>
+          <a:p>
+            <a:fld id="{D5E35FF6-6203-4D6E-9316-3C32AEDD92AC}" type="slidenum">
+              <a:rPr lang="en-US" smtClean="0"/>
+              <a:t>2</a:t>
+            </a:fld>
+            <a:endParaRPr lang="en-US"/>
+          </a:p>
+        </p:txBody>
+      </p:sp>
+    </p:spTree>
+    <p:extLst>
+      <p:ext uri="{BB962C8B-B14F-4D97-AF65-F5344CB8AC3E}">
+        <p14:creationId xmlns:p14="http://schemas.microsoft.com/office/powerpoint/2010/main" val="287577615"/>
+      </p:ext>
+    </p:extLst>
+  </p:cSld>
+  <p:clrMapOvr>
+    <a:masterClrMapping/>
+  </p:clrMapOvr>
+</p:notes>
 </file>
 
 <file path=ppt/slideLayouts/slideLayout1.xml><?xml version="1.0" encoding="utf-8"?>
@@ -136,13 +590,17 @@
         </p:nvSpPr>
         <p:spPr>
           <a:xfrm>
-            <a:off x="685800" y="2130425"/>
-            <a:ext cx="7772400" cy="1470025"/>
+            <a:off x="1143000" y="1122363"/>
+            <a:ext cx="6858000" cy="2387600"/>
           </a:xfrm>
         </p:spPr>
         <p:txBody>
-          <a:bodyPr/>
-          <a:lstStyle/>
+          <a:bodyPr anchor="b"/>
+          <a:lstStyle>
+            <a:lvl1pPr algn="ctr">
+              <a:defRPr sz="4500"/>
+            </a:lvl1pPr>
+          </a:lstStyle>
           <a:p>
             <a:r>
               <a:rPr lang="en-US" smtClean="0"/>
@@ -164,8 +622,8 @@
         </p:nvSpPr>
         <p:spPr>
           <a:xfrm>
-            <a:off x="1371600" y="3886200"/>
-            <a:ext cx="6400800" cy="1752600"/>
+            <a:off x="1143000" y="3602038"/>
+            <a:ext cx="6858000" cy="1655762"/>
           </a:xfrm>
         </p:spPr>
         <p:txBody>
@@ -173,93 +631,39 @@
           <a:lstStyle>
             <a:lvl1pPr marL="0" indent="0" algn="ctr">
               <a:buNone/>
-              <a:defRPr>
-                <a:solidFill>
-                  <a:schemeClr val="tx1">
-                    <a:tint val="75000"/>
-                  </a:schemeClr>
-                </a:solidFill>
-              </a:defRPr>
+              <a:defRPr sz="1800"/>
             </a:lvl1pPr>
-            <a:lvl2pPr marL="457200" indent="0" algn="ctr">
-              <a:buNone/>
-              <a:defRPr>
-                <a:solidFill>
-                  <a:schemeClr val="tx1">
-                    <a:tint val="75000"/>
-                  </a:schemeClr>
-                </a:solidFill>
-              </a:defRPr>
+            <a:lvl2pPr marL="342900" indent="0" algn="ctr">
+              <a:buNone/>
+              <a:defRPr sz="1500"/>
             </a:lvl2pPr>
-            <a:lvl3pPr marL="914400" indent="0" algn="ctr">
-              <a:buNone/>
-              <a:defRPr>
-                <a:solidFill>
-                  <a:schemeClr val="tx1">
-                    <a:tint val="75000"/>
-                  </a:schemeClr>
-                </a:solidFill>
-              </a:defRPr>
+            <a:lvl3pPr marL="685800" indent="0" algn="ctr">
+              <a:buNone/>
+              <a:defRPr sz="1350"/>
             </a:lvl3pPr>
-            <a:lvl4pPr marL="1371600" indent="0" algn="ctr">
-              <a:buNone/>
-              <a:defRPr>
-                <a:solidFill>
-                  <a:schemeClr val="tx1">
-                    <a:tint val="75000"/>
-                  </a:schemeClr>
-                </a:solidFill>
-              </a:defRPr>
+            <a:lvl4pPr marL="1028700" indent="0" algn="ctr">
+              <a:buNone/>
+              <a:defRPr sz="1200"/>
             </a:lvl4pPr>
-            <a:lvl5pPr marL="1828800" indent="0" algn="ctr">
-              <a:buNone/>
-              <a:defRPr>
-                <a:solidFill>
-                  <a:schemeClr val="tx1">
-                    <a:tint val="75000"/>
-                  </a:schemeClr>
-                </a:solidFill>
-              </a:defRPr>
+            <a:lvl5pPr marL="1371600" indent="0" algn="ctr">
+              <a:buNone/>
+              <a:defRPr sz="1200"/>
             </a:lvl5pPr>
-            <a:lvl6pPr marL="2286000" indent="0" algn="ctr">
-              <a:buNone/>
-              <a:defRPr>
-                <a:solidFill>
-                  <a:schemeClr val="tx1">
-                    <a:tint val="75000"/>
-                  </a:schemeClr>
-                </a:solidFill>
-              </a:defRPr>
+            <a:lvl6pPr marL="1714500" indent="0" algn="ctr">
+              <a:buNone/>
+              <a:defRPr sz="1200"/>
             </a:lvl6pPr>
-            <a:lvl7pPr marL="2743200" indent="0" algn="ctr">
-              <a:buNone/>
-              <a:defRPr>
-                <a:solidFill>
-                  <a:schemeClr val="tx1">
-                    <a:tint val="75000"/>
-                  </a:schemeClr>
-                </a:solidFill>
-              </a:defRPr>
+            <a:lvl7pPr marL="2057400" indent="0" algn="ctr">
+              <a:buNone/>
+              <a:defRPr sz="1200"/>
             </a:lvl7pPr>
-            <a:lvl8pPr marL="3200400" indent="0" algn="ctr">
-              <a:buNone/>
-              <a:defRPr>
-                <a:solidFill>
-                  <a:schemeClr val="tx1">
-                    <a:tint val="75000"/>
-                  </a:schemeClr>
-                </a:solidFill>
-              </a:defRPr>
+            <a:lvl8pPr marL="2400300" indent="0" algn="ctr">
+              <a:buNone/>
+              <a:defRPr sz="1200"/>
             </a:lvl8pPr>
-            <a:lvl9pPr marL="3657600" indent="0" algn="ctr">
-              <a:buNone/>
-              <a:defRPr>
-                <a:solidFill>
-                  <a:schemeClr val="tx1">
-                    <a:tint val="75000"/>
-                  </a:schemeClr>
-                </a:solidFill>
-              </a:defRPr>
+            <a:lvl9pPr marL="2743200" indent="0" algn="ctr">
+              <a:buNone/>
+              <a:defRPr sz="1200"/>
             </a:lvl9pPr>
           </a:lstStyle>
           <a:p>
@@ -337,6 +741,11 @@
         </p:txBody>
       </p:sp>
     </p:spTree>
+    <p:extLst>
+      <p:ext uri="{BB962C8B-B14F-4D97-AF65-F5344CB8AC3E}">
+        <p14:creationId xmlns:p14="http://schemas.microsoft.com/office/powerpoint/2010/main" val="2458689970"/>
+      </p:ext>
+    </p:extLst>
   </p:cSld>
   <p:clrMapOvr>
     <a:masterClrMapping/>
@@ -502,6 +911,11 @@
         </p:txBody>
       </p:sp>
     </p:spTree>
+    <p:extLst>
+      <p:ext uri="{BB962C8B-B14F-4D97-AF65-F5344CB8AC3E}">
+        <p14:creationId xmlns:p14="http://schemas.microsoft.com/office/powerpoint/2010/main" val="1695056325"/>
+      </p:ext>
+    </p:extLst>
   </p:cSld>
   <p:clrMapOvr>
     <a:masterClrMapping/>
@@ -538,8 +952,8 @@
         </p:nvSpPr>
         <p:spPr>
           <a:xfrm>
-            <a:off x="6629400" y="274638"/>
-            <a:ext cx="2057400" cy="5851525"/>
+            <a:off x="6543675" y="365125"/>
+            <a:ext cx="1971675" cy="5811838"/>
           </a:xfrm>
         </p:spPr>
         <p:txBody>
@@ -566,8 +980,8 @@
         </p:nvSpPr>
         <p:spPr>
           <a:xfrm>
-            <a:off x="457200" y="274638"/>
-            <a:ext cx="6019800" cy="5851525"/>
+            <a:off x="628650" y="365125"/>
+            <a:ext cx="5800725" cy="5811838"/>
           </a:xfrm>
         </p:spPr>
         <p:txBody>
@@ -677,6 +1091,11 @@
         </p:txBody>
       </p:sp>
     </p:spTree>
+    <p:extLst>
+      <p:ext uri="{BB962C8B-B14F-4D97-AF65-F5344CB8AC3E}">
+        <p14:creationId xmlns:p14="http://schemas.microsoft.com/office/powerpoint/2010/main" val="1997257349"/>
+      </p:ext>
+    </p:extLst>
   </p:cSld>
   <p:clrMapOvr>
     <a:masterClrMapping/>
@@ -842,6 +1261,11 @@
         </p:txBody>
       </p:sp>
     </p:spTree>
+    <p:extLst>
+      <p:ext uri="{BB962C8B-B14F-4D97-AF65-F5344CB8AC3E}">
+        <p14:creationId xmlns:p14="http://schemas.microsoft.com/office/powerpoint/2010/main" val="3169578371"/>
+      </p:ext>
+    </p:extLst>
   </p:cSld>
   <p:clrMapOvr>
     <a:masterClrMapping/>
@@ -878,15 +1302,15 @@
         </p:nvSpPr>
         <p:spPr>
           <a:xfrm>
-            <a:off x="722313" y="4406900"/>
-            <a:ext cx="7772400" cy="1362075"/>
+            <a:off x="623888" y="1709739"/>
+            <a:ext cx="7886700" cy="2852737"/>
           </a:xfrm>
         </p:spPr>
         <p:txBody>
-          <a:bodyPr anchor="t"/>
+          <a:bodyPr anchor="b"/>
           <a:lstStyle>
-            <a:lvl1pPr algn="l">
-              <a:defRPr sz="4000" b="1" cap="all"/>
+            <a:lvl1pPr>
+              <a:defRPr sz="4500"/>
             </a:lvl1pPr>
           </a:lstStyle>
           <a:p>
@@ -910,16 +1334,16 @@
         </p:nvSpPr>
         <p:spPr>
           <a:xfrm>
-            <a:off x="722313" y="2906713"/>
-            <a:ext cx="7772400" cy="1500187"/>
+            <a:off x="623888" y="4589464"/>
+            <a:ext cx="7886700" cy="1500187"/>
           </a:xfrm>
         </p:spPr>
         <p:txBody>
-          <a:bodyPr anchor="b"/>
+          <a:bodyPr/>
           <a:lstStyle>
             <a:lvl1pPr marL="0" indent="0">
               <a:buNone/>
-              <a:defRPr sz="2000">
+              <a:defRPr sz="1800">
                 <a:solidFill>
                   <a:schemeClr val="tx1">
                     <a:tint val="75000"/>
@@ -927,9 +1351,9 @@
                 </a:solidFill>
               </a:defRPr>
             </a:lvl1pPr>
-            <a:lvl2pPr marL="457200" indent="0">
-              <a:buNone/>
-              <a:defRPr sz="1800">
+            <a:lvl2pPr marL="342900" indent="0">
+              <a:buNone/>
+              <a:defRPr sz="1500">
                 <a:solidFill>
                   <a:schemeClr val="tx1">
                     <a:tint val="75000"/>
@@ -937,9 +1361,9 @@
                 </a:solidFill>
               </a:defRPr>
             </a:lvl2pPr>
-            <a:lvl3pPr marL="914400" indent="0">
-              <a:buNone/>
-              <a:defRPr sz="1600">
+            <a:lvl3pPr marL="685800" indent="0">
+              <a:buNone/>
+              <a:defRPr sz="1350">
                 <a:solidFill>
                   <a:schemeClr val="tx1">
                     <a:tint val="75000"/>
@@ -947,9 +1371,9 @@
                 </a:solidFill>
               </a:defRPr>
             </a:lvl3pPr>
-            <a:lvl4pPr marL="1371600" indent="0">
-              <a:buNone/>
-              <a:defRPr sz="1400">
+            <a:lvl4pPr marL="1028700" indent="0">
+              <a:buNone/>
+              <a:defRPr sz="1200">
                 <a:solidFill>
                   <a:schemeClr val="tx1">
                     <a:tint val="75000"/>
@@ -957,9 +1381,9 @@
                 </a:solidFill>
               </a:defRPr>
             </a:lvl4pPr>
-            <a:lvl5pPr marL="1828800" indent="0">
-              <a:buNone/>
-              <a:defRPr sz="1400">
+            <a:lvl5pPr marL="1371600" indent="0">
+              <a:buNone/>
+              <a:defRPr sz="1200">
                 <a:solidFill>
                   <a:schemeClr val="tx1">
                     <a:tint val="75000"/>
@@ -967,9 +1391,9 @@
                 </a:solidFill>
               </a:defRPr>
             </a:lvl5pPr>
-            <a:lvl6pPr marL="2286000" indent="0">
-              <a:buNone/>
-              <a:defRPr sz="1400">
+            <a:lvl6pPr marL="1714500" indent="0">
+              <a:buNone/>
+              <a:defRPr sz="1200">
                 <a:solidFill>
                   <a:schemeClr val="tx1">
                     <a:tint val="75000"/>
@@ -977,9 +1401,9 @@
                 </a:solidFill>
               </a:defRPr>
             </a:lvl6pPr>
-            <a:lvl7pPr marL="2743200" indent="0">
-              <a:buNone/>
-              <a:defRPr sz="1400">
+            <a:lvl7pPr marL="2057400" indent="0">
+              <a:buNone/>
+              <a:defRPr sz="1200">
                 <a:solidFill>
                   <a:schemeClr val="tx1">
                     <a:tint val="75000"/>
@@ -987,9 +1411,9 @@
                 </a:solidFill>
               </a:defRPr>
             </a:lvl7pPr>
-            <a:lvl8pPr marL="3200400" indent="0">
-              <a:buNone/>
-              <a:defRPr sz="1400">
+            <a:lvl8pPr marL="2400300" indent="0">
+              <a:buNone/>
+              <a:defRPr sz="1200">
                 <a:solidFill>
                   <a:schemeClr val="tx1">
                     <a:tint val="75000"/>
@@ -997,9 +1421,9 @@
                 </a:solidFill>
               </a:defRPr>
             </a:lvl8pPr>
-            <a:lvl9pPr marL="3657600" indent="0">
-              <a:buNone/>
-              <a:defRPr sz="1400">
+            <a:lvl9pPr marL="2743200" indent="0">
+              <a:buNone/>
+              <a:defRPr sz="1200">
                 <a:solidFill>
                   <a:schemeClr val="tx1">
                     <a:tint val="75000"/>
@@ -1083,6 +1507,11 @@
         </p:txBody>
       </p:sp>
     </p:spTree>
+    <p:extLst>
+      <p:ext uri="{BB962C8B-B14F-4D97-AF65-F5344CB8AC3E}">
+        <p14:creationId xmlns:p14="http://schemas.microsoft.com/office/powerpoint/2010/main" val="1004911331"/>
+      </p:ext>
+    </p:extLst>
   </p:cSld>
   <p:clrMapOvr>
     <a:masterClrMapping/>
@@ -1142,41 +1571,13 @@
         </p:nvSpPr>
         <p:spPr>
           <a:xfrm>
-            <a:off x="457200" y="1600200"/>
-            <a:ext cx="4038600" cy="4525963"/>
+            <a:off x="628650" y="1825625"/>
+            <a:ext cx="3886200" cy="4351338"/>
           </a:xfrm>
         </p:spPr>
         <p:txBody>
           <a:bodyPr/>
-          <a:lstStyle>
-            <a:lvl1pPr>
-              <a:defRPr sz="2800"/>
-            </a:lvl1pPr>
-            <a:lvl2pPr>
-              <a:defRPr sz="2400"/>
-            </a:lvl2pPr>
-            <a:lvl3pPr>
-              <a:defRPr sz="2000"/>
-            </a:lvl3pPr>
-            <a:lvl4pPr>
-              <a:defRPr sz="1800"/>
-            </a:lvl4pPr>
-            <a:lvl5pPr>
-              <a:defRPr sz="1800"/>
-            </a:lvl5pPr>
-            <a:lvl6pPr>
-              <a:defRPr sz="1800"/>
-            </a:lvl6pPr>
-            <a:lvl7pPr>
-              <a:defRPr sz="1800"/>
-            </a:lvl7pPr>
-            <a:lvl8pPr>
-              <a:defRPr sz="1800"/>
-            </a:lvl8pPr>
-            <a:lvl9pPr>
-              <a:defRPr sz="1800"/>
-            </a:lvl9pPr>
-          </a:lstStyle>
+          <a:lstStyle/>
           <a:p>
             <a:pPr lvl="0"/>
             <a:r>
@@ -1227,41 +1628,13 @@
         </p:nvSpPr>
         <p:spPr>
           <a:xfrm>
-            <a:off x="4648200" y="1600200"/>
-            <a:ext cx="4038600" cy="4525963"/>
+            <a:off x="4629150" y="1825625"/>
+            <a:ext cx="3886200" cy="4351338"/>
           </a:xfrm>
         </p:spPr>
         <p:txBody>
           <a:bodyPr/>
-          <a:lstStyle>
-            <a:lvl1pPr>
-              <a:defRPr sz="2800"/>
-            </a:lvl1pPr>
-            <a:lvl2pPr>
-              <a:defRPr sz="2400"/>
-            </a:lvl2pPr>
-            <a:lvl3pPr>
-              <a:defRPr sz="2000"/>
-            </a:lvl3pPr>
-            <a:lvl4pPr>
-              <a:defRPr sz="1800"/>
-            </a:lvl4pPr>
-            <a:lvl5pPr>
-              <a:defRPr sz="1800"/>
-            </a:lvl5pPr>
-            <a:lvl6pPr>
-              <a:defRPr sz="1800"/>
-            </a:lvl6pPr>
-            <a:lvl7pPr>
-              <a:defRPr sz="1800"/>
-            </a:lvl7pPr>
-            <a:lvl8pPr>
-              <a:defRPr sz="1800"/>
-            </a:lvl8pPr>
-            <a:lvl9pPr>
-              <a:defRPr sz="1800"/>
-            </a:lvl9pPr>
-          </a:lstStyle>
+          <a:lstStyle/>
           <a:p>
             <a:pPr lvl="0"/>
             <a:r>
@@ -1366,6 +1739,11 @@
         </p:txBody>
       </p:sp>
     </p:spTree>
+    <p:extLst>
+      <p:ext uri="{BB962C8B-B14F-4D97-AF65-F5344CB8AC3E}">
+        <p14:creationId xmlns:p14="http://schemas.microsoft.com/office/powerpoint/2010/main" val="3878233102"/>
+      </p:ext>
+    </p:extLst>
   </p:cSld>
   <p:clrMapOvr>
     <a:masterClrMapping/>
@@ -1400,37 +1778,38 @@
             <p:ph type="title"/>
           </p:nvPr>
         </p:nvSpPr>
-        <p:spPr/>
-        <p:txBody>
-          <a:bodyPr/>
-          <a:lstStyle>
-            <a:lvl1pPr>
-              <a:defRPr/>
-            </a:lvl1pPr>
-          </a:lstStyle>
-          <a:p>
-            <a:r>
-              <a:rPr lang="en-US" smtClean="0"/>
-              <a:t>Click to edit Master title style</a:t>
-            </a:r>
-            <a:endParaRPr lang="en-US"/>
-          </a:p>
-        </p:txBody>
-      </p:sp>
-      <p:sp>
-        <p:nvSpPr>
-          <p:cNvPr id="3" name="Text Placeholder 2"/>
-          <p:cNvSpPr>
-            <a:spLocks noGrp="1"/>
-          </p:cNvSpPr>
-          <p:nvPr>
-            <p:ph type="body" idx="1"/>
-          </p:nvPr>
-        </p:nvSpPr>
         <p:spPr>
           <a:xfrm>
-            <a:off x="457200" y="1535113"/>
-            <a:ext cx="4040188" cy="639762"/>
+            <a:off x="629841" y="365126"/>
+            <a:ext cx="7886700" cy="1325563"/>
+          </a:xfrm>
+        </p:spPr>
+        <p:txBody>
+          <a:bodyPr/>
+          <a:lstStyle/>
+          <a:p>
+            <a:r>
+              <a:rPr lang="en-US" smtClean="0"/>
+              <a:t>Click to edit Master title style</a:t>
+            </a:r>
+            <a:endParaRPr lang="en-US"/>
+          </a:p>
+        </p:txBody>
+      </p:sp>
+      <p:sp>
+        <p:nvSpPr>
+          <p:cNvPr id="3" name="Text Placeholder 2"/>
+          <p:cNvSpPr>
+            <a:spLocks noGrp="1"/>
+          </p:cNvSpPr>
+          <p:nvPr>
+            <p:ph type="body" idx="1"/>
+          </p:nvPr>
+        </p:nvSpPr>
+        <p:spPr>
+          <a:xfrm>
+            <a:off x="629842" y="1681163"/>
+            <a:ext cx="3868340" cy="823912"/>
           </a:xfrm>
         </p:spPr>
         <p:txBody>
@@ -1438,39 +1817,39 @@
           <a:lstStyle>
             <a:lvl1pPr marL="0" indent="0">
               <a:buNone/>
-              <a:defRPr sz="2400" b="1"/>
+              <a:defRPr sz="1800" b="1"/>
             </a:lvl1pPr>
-            <a:lvl2pPr marL="457200" indent="0">
-              <a:buNone/>
-              <a:defRPr sz="2000" b="1"/>
+            <a:lvl2pPr marL="342900" indent="0">
+              <a:buNone/>
+              <a:defRPr sz="1500" b="1"/>
             </a:lvl2pPr>
-            <a:lvl3pPr marL="914400" indent="0">
-              <a:buNone/>
-              <a:defRPr sz="1800" b="1"/>
+            <a:lvl3pPr marL="685800" indent="0">
+              <a:buNone/>
+              <a:defRPr sz="1350" b="1"/>
             </a:lvl3pPr>
-            <a:lvl4pPr marL="1371600" indent="0">
-              <a:buNone/>
-              <a:defRPr sz="1600" b="1"/>
+            <a:lvl4pPr marL="1028700" indent="0">
+              <a:buNone/>
+              <a:defRPr sz="1200" b="1"/>
             </a:lvl4pPr>
-            <a:lvl5pPr marL="1828800" indent="0">
-              <a:buNone/>
-              <a:defRPr sz="1600" b="1"/>
+            <a:lvl5pPr marL="1371600" indent="0">
+              <a:buNone/>
+              <a:defRPr sz="1200" b="1"/>
             </a:lvl5pPr>
-            <a:lvl6pPr marL="2286000" indent="0">
-              <a:buNone/>
-              <a:defRPr sz="1600" b="1"/>
+            <a:lvl6pPr marL="1714500" indent="0">
+              <a:buNone/>
+              <a:defRPr sz="1200" b="1"/>
             </a:lvl6pPr>
-            <a:lvl7pPr marL="2743200" indent="0">
-              <a:buNone/>
-              <a:defRPr sz="1600" b="1"/>
+            <a:lvl7pPr marL="2057400" indent="0">
+              <a:buNone/>
+              <a:defRPr sz="1200" b="1"/>
             </a:lvl7pPr>
-            <a:lvl8pPr marL="3200400" indent="0">
-              <a:buNone/>
-              <a:defRPr sz="1600" b="1"/>
+            <a:lvl8pPr marL="2400300" indent="0">
+              <a:buNone/>
+              <a:defRPr sz="1200" b="1"/>
             </a:lvl8pPr>
-            <a:lvl9pPr marL="3657600" indent="0">
-              <a:buNone/>
-              <a:defRPr sz="1600" b="1"/>
+            <a:lvl9pPr marL="2743200" indent="0">
+              <a:buNone/>
+              <a:defRPr sz="1200" b="1"/>
             </a:lvl9pPr>
           </a:lstStyle>
           <a:p>
@@ -1494,41 +1873,13 @@
         </p:nvSpPr>
         <p:spPr>
           <a:xfrm>
-            <a:off x="457200" y="2174875"/>
-            <a:ext cx="4040188" cy="3951288"/>
+            <a:off x="629842" y="2505075"/>
+            <a:ext cx="3868340" cy="3684588"/>
           </a:xfrm>
         </p:spPr>
         <p:txBody>
           <a:bodyPr/>
-          <a:lstStyle>
-            <a:lvl1pPr>
-              <a:defRPr sz="2400"/>
-            </a:lvl1pPr>
-            <a:lvl2pPr>
-              <a:defRPr sz="2000"/>
-            </a:lvl2pPr>
-            <a:lvl3pPr>
-              <a:defRPr sz="1800"/>
-            </a:lvl3pPr>
-            <a:lvl4pPr>
-              <a:defRPr sz="1600"/>
-            </a:lvl4pPr>
-            <a:lvl5pPr>
-              <a:defRPr sz="1600"/>
-            </a:lvl5pPr>
-            <a:lvl6pPr>
-              <a:defRPr sz="1600"/>
-            </a:lvl6pPr>
-            <a:lvl7pPr>
-              <a:defRPr sz="1600"/>
-            </a:lvl7pPr>
-            <a:lvl8pPr>
-              <a:defRPr sz="1600"/>
-            </a:lvl8pPr>
-            <a:lvl9pPr>
-              <a:defRPr sz="1600"/>
-            </a:lvl9pPr>
-          </a:lstStyle>
+          <a:lstStyle/>
           <a:p>
             <a:pPr lvl="0"/>
             <a:r>
@@ -1579,8 +1930,8 @@
         </p:nvSpPr>
         <p:spPr>
           <a:xfrm>
-            <a:off x="4645025" y="1535113"/>
-            <a:ext cx="4041775" cy="639762"/>
+            <a:off x="4629150" y="1681163"/>
+            <a:ext cx="3887391" cy="823912"/>
           </a:xfrm>
         </p:spPr>
         <p:txBody>
@@ -1588,39 +1939,39 @@
           <a:lstStyle>
             <a:lvl1pPr marL="0" indent="0">
               <a:buNone/>
-              <a:defRPr sz="2400" b="1"/>
+              <a:defRPr sz="1800" b="1"/>
             </a:lvl1pPr>
-            <a:lvl2pPr marL="457200" indent="0">
-              <a:buNone/>
-              <a:defRPr sz="2000" b="1"/>
+            <a:lvl2pPr marL="342900" indent="0">
+              <a:buNone/>
+              <a:defRPr sz="1500" b="1"/>
             </a:lvl2pPr>
-            <a:lvl3pPr marL="914400" indent="0">
-              <a:buNone/>
-              <a:defRPr sz="1800" b="1"/>
+            <a:lvl3pPr marL="685800" indent="0">
+              <a:buNone/>
+              <a:defRPr sz="1350" b="1"/>
             </a:lvl3pPr>
-            <a:lvl4pPr marL="1371600" indent="0">
-              <a:buNone/>
-              <a:defRPr sz="1600" b="1"/>
+            <a:lvl4pPr marL="1028700" indent="0">
+              <a:buNone/>
+              <a:defRPr sz="1200" b="1"/>
             </a:lvl4pPr>
-            <a:lvl5pPr marL="1828800" indent="0">
-              <a:buNone/>
-              <a:defRPr sz="1600" b="1"/>
+            <a:lvl5pPr marL="1371600" indent="0">
+              <a:buNone/>
+              <a:defRPr sz="1200" b="1"/>
             </a:lvl5pPr>
-            <a:lvl6pPr marL="2286000" indent="0">
-              <a:buNone/>
-              <a:defRPr sz="1600" b="1"/>
+            <a:lvl6pPr marL="1714500" indent="0">
+              <a:buNone/>
+              <a:defRPr sz="1200" b="1"/>
             </a:lvl6pPr>
-            <a:lvl7pPr marL="2743200" indent="0">
-              <a:buNone/>
-              <a:defRPr sz="1600" b="1"/>
+            <a:lvl7pPr marL="2057400" indent="0">
+              <a:buNone/>
+              <a:defRPr sz="1200" b="1"/>
             </a:lvl7pPr>
-            <a:lvl8pPr marL="3200400" indent="0">
-              <a:buNone/>
-              <a:defRPr sz="1600" b="1"/>
+            <a:lvl8pPr marL="2400300" indent="0">
+              <a:buNone/>
+              <a:defRPr sz="1200" b="1"/>
             </a:lvl8pPr>
-            <a:lvl9pPr marL="3657600" indent="0">
-              <a:buNone/>
-              <a:defRPr sz="1600" b="1"/>
+            <a:lvl9pPr marL="2743200" indent="0">
+              <a:buNone/>
+              <a:defRPr sz="1200" b="1"/>
             </a:lvl9pPr>
           </a:lstStyle>
           <a:p>
@@ -1644,41 +1995,13 @@
         </p:nvSpPr>
         <p:spPr>
           <a:xfrm>
-            <a:off x="4645025" y="2174875"/>
-            <a:ext cx="4041775" cy="3951288"/>
+            <a:off x="4629150" y="2505075"/>
+            <a:ext cx="3887391" cy="3684588"/>
           </a:xfrm>
         </p:spPr>
         <p:txBody>
           <a:bodyPr/>
-          <a:lstStyle>
-            <a:lvl1pPr>
-              <a:defRPr sz="2400"/>
-            </a:lvl1pPr>
-            <a:lvl2pPr>
-              <a:defRPr sz="2000"/>
-            </a:lvl2pPr>
-            <a:lvl3pPr>
-              <a:defRPr sz="1800"/>
-            </a:lvl3pPr>
-            <a:lvl4pPr>
-              <a:defRPr sz="1600"/>
-            </a:lvl4pPr>
-            <a:lvl5pPr>
-              <a:defRPr sz="1600"/>
-            </a:lvl5pPr>
-            <a:lvl6pPr>
-              <a:defRPr sz="1600"/>
-            </a:lvl6pPr>
-            <a:lvl7pPr>
-              <a:defRPr sz="1600"/>
-            </a:lvl7pPr>
-            <a:lvl8pPr>
-              <a:defRPr sz="1600"/>
-            </a:lvl8pPr>
-            <a:lvl9pPr>
-              <a:defRPr sz="1600"/>
-            </a:lvl9pPr>
-          </a:lstStyle>
+          <a:lstStyle/>
           <a:p>
             <a:pPr lvl="0"/>
             <a:r>
@@ -1783,6 +2106,11 @@
         </p:txBody>
       </p:sp>
     </p:spTree>
+    <p:extLst>
+      <p:ext uri="{BB962C8B-B14F-4D97-AF65-F5344CB8AC3E}">
+        <p14:creationId xmlns:p14="http://schemas.microsoft.com/office/powerpoint/2010/main" val="3318010250"/>
+      </p:ext>
+    </p:extLst>
   </p:cSld>
   <p:clrMapOvr>
     <a:masterClrMapping/>
@@ -1896,6 +2224,11 @@
         </p:txBody>
       </p:sp>
     </p:spTree>
+    <p:extLst>
+      <p:ext uri="{BB962C8B-B14F-4D97-AF65-F5344CB8AC3E}">
+        <p14:creationId xmlns:p14="http://schemas.microsoft.com/office/powerpoint/2010/main" val="4212416471"/>
+      </p:ext>
+    </p:extLst>
   </p:cSld>
   <p:clrMapOvr>
     <a:masterClrMapping/>
@@ -1986,6 +2319,11 @@
         </p:txBody>
       </p:sp>
     </p:spTree>
+    <p:extLst>
+      <p:ext uri="{BB962C8B-B14F-4D97-AF65-F5344CB8AC3E}">
+        <p14:creationId xmlns:p14="http://schemas.microsoft.com/office/powerpoint/2010/main" val="3972209684"/>
+      </p:ext>
+    </p:extLst>
   </p:cSld>
   <p:clrMapOvr>
     <a:masterClrMapping/>
@@ -2022,15 +2360,15 @@
         </p:nvSpPr>
         <p:spPr>
           <a:xfrm>
-            <a:off x="457200" y="273050"/>
-            <a:ext cx="3008313" cy="1162050"/>
+            <a:off x="629841" y="457200"/>
+            <a:ext cx="2949178" cy="1600200"/>
           </a:xfrm>
         </p:spPr>
         <p:txBody>
           <a:bodyPr anchor="b"/>
           <a:lstStyle>
-            <a:lvl1pPr algn="l">
-              <a:defRPr sz="2000" b="1"/>
+            <a:lvl1pPr>
+              <a:defRPr sz="2400"/>
             </a:lvl1pPr>
           </a:lstStyle>
           <a:p>
@@ -2054,39 +2392,39 @@
         </p:nvSpPr>
         <p:spPr>
           <a:xfrm>
-            <a:off x="3575050" y="273050"/>
-            <a:ext cx="5111750" cy="5853113"/>
+            <a:off x="3887391" y="987426"/>
+            <a:ext cx="4629150" cy="4873625"/>
           </a:xfrm>
         </p:spPr>
         <p:txBody>
           <a:bodyPr/>
           <a:lstStyle>
             <a:lvl1pPr>
-              <a:defRPr sz="3200"/>
+              <a:defRPr sz="2400"/>
             </a:lvl1pPr>
             <a:lvl2pPr>
-              <a:defRPr sz="2800"/>
+              <a:defRPr sz="2100"/>
             </a:lvl2pPr>
             <a:lvl3pPr>
-              <a:defRPr sz="2400"/>
+              <a:defRPr sz="1800"/>
             </a:lvl3pPr>
             <a:lvl4pPr>
-              <a:defRPr sz="2000"/>
+              <a:defRPr sz="1500"/>
             </a:lvl4pPr>
             <a:lvl5pPr>
-              <a:defRPr sz="2000"/>
+              <a:defRPr sz="1500"/>
             </a:lvl5pPr>
             <a:lvl6pPr>
-              <a:defRPr sz="2000"/>
+              <a:defRPr sz="1500"/>
             </a:lvl6pPr>
             <a:lvl7pPr>
-              <a:defRPr sz="2000"/>
+              <a:defRPr sz="1500"/>
             </a:lvl7pPr>
             <a:lvl8pPr>
-              <a:defRPr sz="2000"/>
+              <a:defRPr sz="1500"/>
             </a:lvl8pPr>
             <a:lvl9pPr>
-              <a:defRPr sz="2000"/>
+              <a:defRPr sz="1500"/>
             </a:lvl9pPr>
           </a:lstStyle>
           <a:p>
@@ -2139,8 +2477,8 @@
         </p:nvSpPr>
         <p:spPr>
           <a:xfrm>
-            <a:off x="457200" y="1435100"/>
-            <a:ext cx="3008313" cy="4691063"/>
+            <a:off x="629841" y="2057400"/>
+            <a:ext cx="2949178" cy="3811588"/>
           </a:xfrm>
         </p:spPr>
         <p:txBody>
@@ -2148,39 +2486,39 @@
           <a:lstStyle>
             <a:lvl1pPr marL="0" indent="0">
               <a:buNone/>
-              <a:defRPr sz="1400"/>
+              <a:defRPr sz="1200"/>
             </a:lvl1pPr>
-            <a:lvl2pPr marL="457200" indent="0">
-              <a:buNone/>
-              <a:defRPr sz="1200"/>
+            <a:lvl2pPr marL="342900" indent="0">
+              <a:buNone/>
+              <a:defRPr sz="1050"/>
             </a:lvl2pPr>
-            <a:lvl3pPr marL="914400" indent="0">
-              <a:buNone/>
-              <a:defRPr sz="1000"/>
+            <a:lvl3pPr marL="685800" indent="0">
+              <a:buNone/>
+              <a:defRPr sz="900"/>
             </a:lvl3pPr>
-            <a:lvl4pPr marL="1371600" indent="0">
-              <a:buNone/>
-              <a:defRPr sz="900"/>
+            <a:lvl4pPr marL="1028700" indent="0">
+              <a:buNone/>
+              <a:defRPr sz="750"/>
             </a:lvl4pPr>
-            <a:lvl5pPr marL="1828800" indent="0">
-              <a:buNone/>
-              <a:defRPr sz="900"/>
+            <a:lvl5pPr marL="1371600" indent="0">
+              <a:buNone/>
+              <a:defRPr sz="750"/>
             </a:lvl5pPr>
-            <a:lvl6pPr marL="2286000" indent="0">
-              <a:buNone/>
-              <a:defRPr sz="900"/>
+            <a:lvl6pPr marL="1714500" indent="0">
+              <a:buNone/>
+              <a:defRPr sz="750"/>
             </a:lvl6pPr>
-            <a:lvl7pPr marL="2743200" indent="0">
-              <a:buNone/>
-              <a:defRPr sz="900"/>
+            <a:lvl7pPr marL="2057400" indent="0">
+              <a:buNone/>
+              <a:defRPr sz="750"/>
             </a:lvl7pPr>
-            <a:lvl8pPr marL="3200400" indent="0">
-              <a:buNone/>
-              <a:defRPr sz="900"/>
+            <a:lvl8pPr marL="2400300" indent="0">
+              <a:buNone/>
+              <a:defRPr sz="750"/>
             </a:lvl8pPr>
-            <a:lvl9pPr marL="3657600" indent="0">
-              <a:buNone/>
-              <a:defRPr sz="900"/>
+            <a:lvl9pPr marL="2743200" indent="0">
+              <a:buNone/>
+              <a:defRPr sz="750"/>
             </a:lvl9pPr>
           </a:lstStyle>
           <a:p>
@@ -2258,6 +2596,11 @@
         </p:txBody>
       </p:sp>
     </p:spTree>
+    <p:extLst>
+      <p:ext uri="{BB962C8B-B14F-4D97-AF65-F5344CB8AC3E}">
+        <p14:creationId xmlns:p14="http://schemas.microsoft.com/office/powerpoint/2010/main" val="2892125991"/>
+      </p:ext>
+    </p:extLst>
   </p:cSld>
   <p:clrMapOvr>
     <a:masterClrMapping/>
@@ -2294,15 +2637,15 @@
         </p:nvSpPr>
         <p:spPr>
           <a:xfrm>
-            <a:off x="1792288" y="4800600"/>
-            <a:ext cx="5486400" cy="566738"/>
+            <a:off x="629841" y="457200"/>
+            <a:ext cx="2949178" cy="1600200"/>
           </a:xfrm>
         </p:spPr>
         <p:txBody>
           <a:bodyPr anchor="b"/>
           <a:lstStyle>
-            <a:lvl1pPr algn="l">
-              <a:defRPr sz="2000" b="1"/>
+            <a:lvl1pPr>
+              <a:defRPr sz="2400"/>
             </a:lvl1pPr>
           </a:lstStyle>
           <a:p>
@@ -2326,8 +2669,8 @@
         </p:nvSpPr>
         <p:spPr>
           <a:xfrm>
-            <a:off x="1792288" y="612775"/>
-            <a:ext cx="5486400" cy="4114800"/>
+            <a:off x="3887391" y="987426"/>
+            <a:ext cx="4629150" cy="4873625"/>
           </a:xfrm>
         </p:spPr>
         <p:txBody>
@@ -2335,39 +2678,39 @@
           <a:lstStyle>
             <a:lvl1pPr marL="0" indent="0">
               <a:buNone/>
-              <a:defRPr sz="3200"/>
+              <a:defRPr sz="2400"/>
             </a:lvl1pPr>
-            <a:lvl2pPr marL="457200" indent="0">
-              <a:buNone/>
-              <a:defRPr sz="2800"/>
+            <a:lvl2pPr marL="342900" indent="0">
+              <a:buNone/>
+              <a:defRPr sz="2100"/>
             </a:lvl2pPr>
-            <a:lvl3pPr marL="914400" indent="0">
-              <a:buNone/>
-              <a:defRPr sz="2400"/>
+            <a:lvl3pPr marL="685800" indent="0">
+              <a:buNone/>
+              <a:defRPr sz="1800"/>
             </a:lvl3pPr>
-            <a:lvl4pPr marL="1371600" indent="0">
-              <a:buNone/>
-              <a:defRPr sz="2000"/>
+            <a:lvl4pPr marL="1028700" indent="0">
+              <a:buNone/>
+              <a:defRPr sz="1500"/>
             </a:lvl4pPr>
-            <a:lvl5pPr marL="1828800" indent="0">
-              <a:buNone/>
-              <a:defRPr sz="2000"/>
+            <a:lvl5pPr marL="1371600" indent="0">
+              <a:buNone/>
+              <a:defRPr sz="1500"/>
             </a:lvl5pPr>
-            <a:lvl6pPr marL="2286000" indent="0">
-              <a:buNone/>
-              <a:defRPr sz="2000"/>
+            <a:lvl6pPr marL="1714500" indent="0">
+              <a:buNone/>
+              <a:defRPr sz="1500"/>
             </a:lvl6pPr>
-            <a:lvl7pPr marL="2743200" indent="0">
-              <a:buNone/>
-              <a:defRPr sz="2000"/>
+            <a:lvl7pPr marL="2057400" indent="0">
+              <a:buNone/>
+              <a:defRPr sz="1500"/>
             </a:lvl7pPr>
-            <a:lvl8pPr marL="3200400" indent="0">
-              <a:buNone/>
-              <a:defRPr sz="2000"/>
+            <a:lvl8pPr marL="2400300" indent="0">
+              <a:buNone/>
+              <a:defRPr sz="1500"/>
             </a:lvl8pPr>
-            <a:lvl9pPr marL="3657600" indent="0">
-              <a:buNone/>
-              <a:defRPr sz="2000"/>
+            <a:lvl9pPr marL="2743200" indent="0">
+              <a:buNone/>
+              <a:defRPr sz="1500"/>
             </a:lvl9pPr>
           </a:lstStyle>
           <a:p>
@@ -2387,8 +2730,8 @@
         </p:nvSpPr>
         <p:spPr>
           <a:xfrm>
-            <a:off x="1792288" y="5367338"/>
-            <a:ext cx="5486400" cy="804862"/>
+            <a:off x="629841" y="2057400"/>
+            <a:ext cx="2949178" cy="3811588"/>
           </a:xfrm>
         </p:spPr>
         <p:txBody>
@@ -2396,39 +2739,39 @@
           <a:lstStyle>
             <a:lvl1pPr marL="0" indent="0">
               <a:buNone/>
-              <a:defRPr sz="1400"/>
+              <a:defRPr sz="1200"/>
             </a:lvl1pPr>
-            <a:lvl2pPr marL="457200" indent="0">
-              <a:buNone/>
-              <a:defRPr sz="1200"/>
+            <a:lvl2pPr marL="342900" indent="0">
+              <a:buNone/>
+              <a:defRPr sz="1050"/>
             </a:lvl2pPr>
-            <a:lvl3pPr marL="914400" indent="0">
-              <a:buNone/>
-              <a:defRPr sz="1000"/>
+            <a:lvl3pPr marL="685800" indent="0">
+              <a:buNone/>
+              <a:defRPr sz="900"/>
             </a:lvl3pPr>
-            <a:lvl4pPr marL="1371600" indent="0">
-              <a:buNone/>
-              <a:defRPr sz="900"/>
+            <a:lvl4pPr marL="1028700" indent="0">
+              <a:buNone/>
+              <a:defRPr sz="750"/>
             </a:lvl4pPr>
-            <a:lvl5pPr marL="1828800" indent="0">
-              <a:buNone/>
-              <a:defRPr sz="900"/>
+            <a:lvl5pPr marL="1371600" indent="0">
+              <a:buNone/>
+              <a:defRPr sz="750"/>
             </a:lvl5pPr>
-            <a:lvl6pPr marL="2286000" indent="0">
-              <a:buNone/>
-              <a:defRPr sz="900"/>
+            <a:lvl6pPr marL="1714500" indent="0">
+              <a:buNone/>
+              <a:defRPr sz="750"/>
             </a:lvl6pPr>
-            <a:lvl7pPr marL="2743200" indent="0">
-              <a:buNone/>
-              <a:defRPr sz="900"/>
+            <a:lvl7pPr marL="2057400" indent="0">
+              <a:buNone/>
+              <a:defRPr sz="750"/>
             </a:lvl7pPr>
-            <a:lvl8pPr marL="3200400" indent="0">
-              <a:buNone/>
-              <a:defRPr sz="900"/>
+            <a:lvl8pPr marL="2400300" indent="0">
+              <a:buNone/>
+              <a:defRPr sz="750"/>
             </a:lvl8pPr>
-            <a:lvl9pPr marL="3657600" indent="0">
-              <a:buNone/>
-              <a:defRPr sz="900"/>
+            <a:lvl9pPr marL="2743200" indent="0">
+              <a:buNone/>
+              <a:defRPr sz="750"/>
             </a:lvl9pPr>
           </a:lstStyle>
           <a:p>
@@ -2506,6 +2849,11 @@
         </p:txBody>
       </p:sp>
     </p:spTree>
+    <p:extLst>
+      <p:ext uri="{BB962C8B-B14F-4D97-AF65-F5344CB8AC3E}">
+        <p14:creationId xmlns:p14="http://schemas.microsoft.com/office/powerpoint/2010/main" val="1650234638"/>
+      </p:ext>
+    </p:extLst>
   </p:cSld>
   <p:clrMapOvr>
     <a:masterClrMapping/>
@@ -2547,8 +2895,8 @@
         </p:nvSpPr>
         <p:spPr>
           <a:xfrm>
-            <a:off x="457200" y="274638"/>
-            <a:ext cx="8229600" cy="1143000"/>
+            <a:off x="628650" y="365126"/>
+            <a:ext cx="7886700" cy="1325563"/>
           </a:xfrm>
           <a:prstGeom prst="rect">
             <a:avLst/>
@@ -2580,8 +2928,8 @@
         </p:nvSpPr>
         <p:spPr>
           <a:xfrm>
-            <a:off x="457200" y="1600200"/>
-            <a:ext cx="8229600" cy="4525963"/>
+            <a:off x="628650" y="1825625"/>
+            <a:ext cx="7886700" cy="4351338"/>
           </a:xfrm>
           <a:prstGeom prst="rect">
             <a:avLst/>
@@ -2642,8 +2990,8 @@
         </p:nvSpPr>
         <p:spPr>
           <a:xfrm>
-            <a:off x="457200" y="6356350"/>
-            <a:ext cx="2133600" cy="365125"/>
+            <a:off x="628650" y="6356351"/>
+            <a:ext cx="2057400" cy="365125"/>
           </a:xfrm>
           <a:prstGeom prst="rect">
             <a:avLst/>
@@ -2653,7 +3001,7 @@
           <a:bodyPr vert="horz" lIns="91440" tIns="45720" rIns="91440" bIns="45720" rtlCol="0" anchor="ctr"/>
           <a:lstStyle>
             <a:lvl1pPr algn="l">
-              <a:defRPr sz="1200">
+              <a:defRPr sz="900">
                 <a:solidFill>
                   <a:schemeClr val="tx1">
                     <a:tint val="75000"/>
@@ -2683,8 +3031,8 @@
         </p:nvSpPr>
         <p:spPr>
           <a:xfrm>
-            <a:off x="3124200" y="6356350"/>
-            <a:ext cx="2895600" cy="365125"/>
+            <a:off x="3028950" y="6356351"/>
+            <a:ext cx="3086100" cy="365125"/>
           </a:xfrm>
           <a:prstGeom prst="rect">
             <a:avLst/>
@@ -2694,7 +3042,7 @@
           <a:bodyPr vert="horz" lIns="91440" tIns="45720" rIns="91440" bIns="45720" rtlCol="0" anchor="ctr"/>
           <a:lstStyle>
             <a:lvl1pPr algn="ctr">
-              <a:defRPr sz="1200">
+              <a:defRPr sz="900">
                 <a:solidFill>
                   <a:schemeClr val="tx1">
                     <a:tint val="75000"/>
@@ -2720,8 +3068,8 @@
         </p:nvSpPr>
         <p:spPr>
           <a:xfrm>
-            <a:off x="6553200" y="6356350"/>
-            <a:ext cx="2133600" cy="365125"/>
+            <a:off x="6457950" y="6356351"/>
+            <a:ext cx="2057400" cy="365125"/>
           </a:xfrm>
           <a:prstGeom prst="rect">
             <a:avLst/>
@@ -2731,7 +3079,7 @@
           <a:bodyPr vert="horz" lIns="91440" tIns="45720" rIns="91440" bIns="45720" rtlCol="0" anchor="ctr"/>
           <a:lstStyle>
             <a:lvl1pPr algn="r">
-              <a:defRPr sz="1200">
+              <a:defRPr sz="900">
                 <a:solidFill>
                   <a:schemeClr val="tx1">
                     <a:tint val="75000"/>
@@ -2750,29 +3098,37 @@
         </p:txBody>
       </p:sp>
     </p:spTree>
+    <p:extLst>
+      <p:ext uri="{BB962C8B-B14F-4D97-AF65-F5344CB8AC3E}">
+        <p14:creationId xmlns:p14="http://schemas.microsoft.com/office/powerpoint/2010/main" val="868344375"/>
+      </p:ext>
+    </p:extLst>
   </p:cSld>
   <p:clrMap bg1="lt1" tx1="dk1" bg2="lt2" tx2="dk2" accent1="accent1" accent2="accent2" accent3="accent3" accent4="accent4" accent5="accent5" accent6="accent6" hlink="hlink" folHlink="folHlink"/>
   <p:sldLayoutIdLst>
-    <p:sldLayoutId id="2147483649" r:id="rId1"/>
-    <p:sldLayoutId id="2147483650" r:id="rId2"/>
-    <p:sldLayoutId id="2147483651" r:id="rId3"/>
-    <p:sldLayoutId id="2147483652" r:id="rId4"/>
-    <p:sldLayoutId id="2147483653" r:id="rId5"/>
-    <p:sldLayoutId id="2147483654" r:id="rId6"/>
-    <p:sldLayoutId id="2147483655" r:id="rId7"/>
-    <p:sldLayoutId id="2147483656" r:id="rId8"/>
-    <p:sldLayoutId id="2147483657" r:id="rId9"/>
-    <p:sldLayoutId id="2147483658" r:id="rId10"/>
-    <p:sldLayoutId id="2147483659" r:id="rId11"/>
+    <p:sldLayoutId id="2147483982" r:id="rId1"/>
+    <p:sldLayoutId id="2147483983" r:id="rId2"/>
+    <p:sldLayoutId id="2147483984" r:id="rId3"/>
+    <p:sldLayoutId id="2147483985" r:id="rId4"/>
+    <p:sldLayoutId id="2147483986" r:id="rId5"/>
+    <p:sldLayoutId id="2147483987" r:id="rId6"/>
+    <p:sldLayoutId id="2147483988" r:id="rId7"/>
+    <p:sldLayoutId id="2147483989" r:id="rId8"/>
+    <p:sldLayoutId id="2147483990" r:id="rId9"/>
+    <p:sldLayoutId id="2147483991" r:id="rId10"/>
+    <p:sldLayoutId id="2147483992" r:id="rId11"/>
   </p:sldLayoutIdLst>
   <p:txStyles>
     <p:titleStyle>
-      <a:lvl1pPr algn="ctr" defTabSz="914400" rtl="0" eaLnBrk="1" latinLnBrk="0" hangingPunct="1">
+      <a:lvl1pPr algn="l" defTabSz="685800" rtl="0" eaLnBrk="1" latinLnBrk="0" hangingPunct="1">
+        <a:lnSpc>
+          <a:spcPct val="90000"/>
+        </a:lnSpc>
         <a:spcBef>
           <a:spcPct val="0"/>
         </a:spcBef>
         <a:buNone/>
-        <a:defRPr sz="4400" kern="1200">
+        <a:defRPr sz="3300" kern="1200">
           <a:solidFill>
             <a:schemeClr val="tx1"/>
           </a:solidFill>
@@ -2783,13 +3139,16 @@
       </a:lvl1pPr>
     </p:titleStyle>
     <p:bodyStyle>
-      <a:lvl1pPr marL="342900" indent="-342900" algn="l" defTabSz="914400" rtl="0" eaLnBrk="1" latinLnBrk="0" hangingPunct="1">
+      <a:lvl1pPr marL="171450" indent="-171450" algn="l" defTabSz="685800" rtl="0" eaLnBrk="1" latinLnBrk="0" hangingPunct="1">
+        <a:lnSpc>
+          <a:spcPct val="90000"/>
+        </a:lnSpc>
         <a:spcBef>
-          <a:spcPct val="20000"/>
+          <a:spcPts val="750"/>
         </a:spcBef>
-        <a:buFont typeface="Arial" pitchFamily="34" charset="0"/>
+        <a:buFont typeface="Arial" panose="020B0604020202020204" pitchFamily="34" charset="0"/>
         <a:buChar char="•"/>
-        <a:defRPr sz="3200" kern="1200">
+        <a:defRPr sz="2100" kern="1200">
           <a:solidFill>
             <a:schemeClr val="tx1"/>
           </a:solidFill>
@@ -2798,13 +3157,16 @@
           <a:cs typeface="+mn-cs"/>
         </a:defRPr>
       </a:lvl1pPr>
-      <a:lvl2pPr marL="742950" indent="-285750" algn="l" defTabSz="914400" rtl="0" eaLnBrk="1" latinLnBrk="0" hangingPunct="1">
+      <a:lvl2pPr marL="514350" indent="-171450" algn="l" defTabSz="685800" rtl="0" eaLnBrk="1" latinLnBrk="0" hangingPunct="1">
+        <a:lnSpc>
+          <a:spcPct val="90000"/>
+        </a:lnSpc>
         <a:spcBef>
-          <a:spcPct val="20000"/>
+          <a:spcPts val="375"/>
         </a:spcBef>
-        <a:buFont typeface="Arial" pitchFamily="34" charset="0"/>
-        <a:buChar char="–"/>
-        <a:defRPr sz="2800" kern="1200">
+        <a:buFont typeface="Arial" panose="020B0604020202020204" pitchFamily="34" charset="0"/>
+        <a:buChar char="•"/>
+        <a:defRPr sz="1800" kern="1200">
           <a:solidFill>
             <a:schemeClr val="tx1"/>
           </a:solidFill>
@@ -2813,13 +3175,16 @@
           <a:cs typeface="+mn-cs"/>
         </a:defRPr>
       </a:lvl2pPr>
-      <a:lvl3pPr marL="1143000" indent="-228600" algn="l" defTabSz="914400" rtl="0" eaLnBrk="1" latinLnBrk="0" hangingPunct="1">
+      <a:lvl3pPr marL="857250" indent="-171450" algn="l" defTabSz="685800" rtl="0" eaLnBrk="1" latinLnBrk="0" hangingPunct="1">
+        <a:lnSpc>
+          <a:spcPct val="90000"/>
+        </a:lnSpc>
         <a:spcBef>
-          <a:spcPct val="20000"/>
+          <a:spcPts val="375"/>
         </a:spcBef>
-        <a:buFont typeface="Arial" pitchFamily="34" charset="0"/>
+        <a:buFont typeface="Arial" panose="020B0604020202020204" pitchFamily="34" charset="0"/>
         <a:buChar char="•"/>
-        <a:defRPr sz="2400" kern="1200">
+        <a:defRPr sz="1500" kern="1200">
           <a:solidFill>
             <a:schemeClr val="tx1"/>
           </a:solidFill>
@@ -2828,13 +3193,16 @@
           <a:cs typeface="+mn-cs"/>
         </a:defRPr>
       </a:lvl3pPr>
-      <a:lvl4pPr marL="1600200" indent="-228600" algn="l" defTabSz="914400" rtl="0" eaLnBrk="1" latinLnBrk="0" hangingPunct="1">
+      <a:lvl4pPr marL="1200150" indent="-171450" algn="l" defTabSz="685800" rtl="0" eaLnBrk="1" latinLnBrk="0" hangingPunct="1">
+        <a:lnSpc>
+          <a:spcPct val="90000"/>
+        </a:lnSpc>
         <a:spcBef>
-          <a:spcPct val="20000"/>
+          <a:spcPts val="375"/>
         </a:spcBef>
-        <a:buFont typeface="Arial" pitchFamily="34" charset="0"/>
-        <a:buChar char="–"/>
-        <a:defRPr sz="2000" kern="1200">
+        <a:buFont typeface="Arial" panose="020B0604020202020204" pitchFamily="34" charset="0"/>
+        <a:buChar char="•"/>
+        <a:defRPr sz="1350" kern="1200">
           <a:solidFill>
             <a:schemeClr val="tx1"/>
           </a:solidFill>
@@ -2843,13 +3211,16 @@
           <a:cs typeface="+mn-cs"/>
         </a:defRPr>
       </a:lvl4pPr>
-      <a:lvl5pPr marL="2057400" indent="-228600" algn="l" defTabSz="914400" rtl="0" eaLnBrk="1" latinLnBrk="0" hangingPunct="1">
+      <a:lvl5pPr marL="1543050" indent="-171450" algn="l" defTabSz="685800" rtl="0" eaLnBrk="1" latinLnBrk="0" hangingPunct="1">
+        <a:lnSpc>
+          <a:spcPct val="90000"/>
+        </a:lnSpc>
         <a:spcBef>
-          <a:spcPct val="20000"/>
+          <a:spcPts val="375"/>
         </a:spcBef>
-        <a:buFont typeface="Arial" pitchFamily="34" charset="0"/>
-        <a:buChar char="»"/>
-        <a:defRPr sz="2000" kern="1200">
+        <a:buFont typeface="Arial" panose="020B0604020202020204" pitchFamily="34" charset="0"/>
+        <a:buChar char="•"/>
+        <a:defRPr sz="1350" kern="1200">
           <a:solidFill>
             <a:schemeClr val="tx1"/>
           </a:solidFill>
@@ -2858,13 +3229,16 @@
           <a:cs typeface="+mn-cs"/>
         </a:defRPr>
       </a:lvl5pPr>
-      <a:lvl6pPr marL="2514600" indent="-228600" algn="l" defTabSz="914400" rtl="0" eaLnBrk="1" latinLnBrk="0" hangingPunct="1">
+      <a:lvl6pPr marL="1885950" indent="-171450" algn="l" defTabSz="685800" rtl="0" eaLnBrk="1" latinLnBrk="0" hangingPunct="1">
+        <a:lnSpc>
+          <a:spcPct val="90000"/>
+        </a:lnSpc>
         <a:spcBef>
-          <a:spcPct val="20000"/>
+          <a:spcPts val="375"/>
         </a:spcBef>
-        <a:buFont typeface="Arial" pitchFamily="34" charset="0"/>
+        <a:buFont typeface="Arial" panose="020B0604020202020204" pitchFamily="34" charset="0"/>
         <a:buChar char="•"/>
-        <a:defRPr sz="2000" kern="1200">
+        <a:defRPr sz="1350" kern="1200">
           <a:solidFill>
             <a:schemeClr val="tx1"/>
           </a:solidFill>
@@ -2873,13 +3247,16 @@
           <a:cs typeface="+mn-cs"/>
         </a:defRPr>
       </a:lvl6pPr>
-      <a:lvl7pPr marL="2971800" indent="-228600" algn="l" defTabSz="914400" rtl="0" eaLnBrk="1" latinLnBrk="0" hangingPunct="1">
+      <a:lvl7pPr marL="2228850" indent="-171450" algn="l" defTabSz="685800" rtl="0" eaLnBrk="1" latinLnBrk="0" hangingPunct="1">
+        <a:lnSpc>
+          <a:spcPct val="90000"/>
+        </a:lnSpc>
         <a:spcBef>
-          <a:spcPct val="20000"/>
+          <a:spcPts val="375"/>
         </a:spcBef>
-        <a:buFont typeface="Arial" pitchFamily="34" charset="0"/>
+        <a:buFont typeface="Arial" panose="020B0604020202020204" pitchFamily="34" charset="0"/>
         <a:buChar char="•"/>
-        <a:defRPr sz="2000" kern="1200">
+        <a:defRPr sz="1350" kern="1200">
           <a:solidFill>
             <a:schemeClr val="tx1"/>
           </a:solidFill>
@@ -2888,13 +3265,16 @@
           <a:cs typeface="+mn-cs"/>
         </a:defRPr>
       </a:lvl7pPr>
-      <a:lvl8pPr marL="3429000" indent="-228600" algn="l" defTabSz="914400" rtl="0" eaLnBrk="1" latinLnBrk="0" hangingPunct="1">
+      <a:lvl8pPr marL="2571750" indent="-171450" algn="l" defTabSz="685800" rtl="0" eaLnBrk="1" latinLnBrk="0" hangingPunct="1">
+        <a:lnSpc>
+          <a:spcPct val="90000"/>
+        </a:lnSpc>
         <a:spcBef>
-          <a:spcPct val="20000"/>
+          <a:spcPts val="375"/>
         </a:spcBef>
-        <a:buFont typeface="Arial" pitchFamily="34" charset="0"/>
+        <a:buFont typeface="Arial" panose="020B0604020202020204" pitchFamily="34" charset="0"/>
         <a:buChar char="•"/>
-        <a:defRPr sz="2000" kern="1200">
+        <a:defRPr sz="1350" kern="1200">
           <a:solidFill>
             <a:schemeClr val="tx1"/>
           </a:solidFill>
@@ -2903,13 +3283,16 @@
           <a:cs typeface="+mn-cs"/>
         </a:defRPr>
       </a:lvl8pPr>
-      <a:lvl9pPr marL="3886200" indent="-228600" algn="l" defTabSz="914400" rtl="0" eaLnBrk="1" latinLnBrk="0" hangingPunct="1">
+      <a:lvl9pPr marL="2914650" indent="-171450" algn="l" defTabSz="685800" rtl="0" eaLnBrk="1" latinLnBrk="0" hangingPunct="1">
+        <a:lnSpc>
+          <a:spcPct val="90000"/>
+        </a:lnSpc>
         <a:spcBef>
-          <a:spcPct val="20000"/>
+          <a:spcPts val="375"/>
         </a:spcBef>
-        <a:buFont typeface="Arial" pitchFamily="34" charset="0"/>
+        <a:buFont typeface="Arial" panose="020B0604020202020204" pitchFamily="34" charset="0"/>
         <a:buChar char="•"/>
-        <a:defRPr sz="2000" kern="1200">
+        <a:defRPr sz="1350" kern="1200">
           <a:solidFill>
             <a:schemeClr val="tx1"/>
           </a:solidFill>
@@ -2923,8 +3306,8 @@
       <a:defPPr>
         <a:defRPr lang="en-US"/>
       </a:defPPr>
-      <a:lvl1pPr marL="0" algn="l" defTabSz="914400" rtl="0" eaLnBrk="1" latinLnBrk="0" hangingPunct="1">
-        <a:defRPr sz="1800" kern="1200">
+      <a:lvl1pPr marL="0" algn="l" defTabSz="685800" rtl="0" eaLnBrk="1" latinLnBrk="0" hangingPunct="1">
+        <a:defRPr sz="1350" kern="1200">
           <a:solidFill>
             <a:schemeClr val="tx1"/>
           </a:solidFill>
@@ -2933,8 +3316,8 @@
           <a:cs typeface="+mn-cs"/>
         </a:defRPr>
       </a:lvl1pPr>
-      <a:lvl2pPr marL="457200" algn="l" defTabSz="914400" rtl="0" eaLnBrk="1" latinLnBrk="0" hangingPunct="1">
-        <a:defRPr sz="1800" kern="1200">
+      <a:lvl2pPr marL="342900" algn="l" defTabSz="685800" rtl="0" eaLnBrk="1" latinLnBrk="0" hangingPunct="1">
+        <a:defRPr sz="1350" kern="1200">
           <a:solidFill>
             <a:schemeClr val="tx1"/>
           </a:solidFill>
@@ -2943,8 +3326,8 @@
           <a:cs typeface="+mn-cs"/>
         </a:defRPr>
       </a:lvl2pPr>
-      <a:lvl3pPr marL="914400" algn="l" defTabSz="914400" rtl="0" eaLnBrk="1" latinLnBrk="0" hangingPunct="1">
-        <a:defRPr sz="1800" kern="1200">
+      <a:lvl3pPr marL="685800" algn="l" defTabSz="685800" rtl="0" eaLnBrk="1" latinLnBrk="0" hangingPunct="1">
+        <a:defRPr sz="1350" kern="1200">
           <a:solidFill>
             <a:schemeClr val="tx1"/>
           </a:solidFill>
@@ -2953,8 +3336,8 @@
           <a:cs typeface="+mn-cs"/>
         </a:defRPr>
       </a:lvl3pPr>
-      <a:lvl4pPr marL="1371600" algn="l" defTabSz="914400" rtl="0" eaLnBrk="1" latinLnBrk="0" hangingPunct="1">
-        <a:defRPr sz="1800" kern="1200">
+      <a:lvl4pPr marL="1028700" algn="l" defTabSz="685800" rtl="0" eaLnBrk="1" latinLnBrk="0" hangingPunct="1">
+        <a:defRPr sz="1350" kern="1200">
           <a:solidFill>
             <a:schemeClr val="tx1"/>
           </a:solidFill>
@@ -2963,8 +3346,8 @@
           <a:cs typeface="+mn-cs"/>
         </a:defRPr>
       </a:lvl4pPr>
-      <a:lvl5pPr marL="1828800" algn="l" defTabSz="914400" rtl="0" eaLnBrk="1" latinLnBrk="0" hangingPunct="1">
-        <a:defRPr sz="1800" kern="1200">
+      <a:lvl5pPr marL="1371600" algn="l" defTabSz="685800" rtl="0" eaLnBrk="1" latinLnBrk="0" hangingPunct="1">
+        <a:defRPr sz="1350" kern="1200">
           <a:solidFill>
             <a:schemeClr val="tx1"/>
           </a:solidFill>
@@ -2973,8 +3356,8 @@
           <a:cs typeface="+mn-cs"/>
         </a:defRPr>
       </a:lvl5pPr>
-      <a:lvl6pPr marL="2286000" algn="l" defTabSz="914400" rtl="0" eaLnBrk="1" latinLnBrk="0" hangingPunct="1">
-        <a:defRPr sz="1800" kern="1200">
+      <a:lvl6pPr marL="1714500" algn="l" defTabSz="685800" rtl="0" eaLnBrk="1" latinLnBrk="0" hangingPunct="1">
+        <a:defRPr sz="1350" kern="1200">
           <a:solidFill>
             <a:schemeClr val="tx1"/>
           </a:solidFill>
@@ -2983,8 +3366,8 @@
           <a:cs typeface="+mn-cs"/>
         </a:defRPr>
       </a:lvl6pPr>
-      <a:lvl7pPr marL="2743200" algn="l" defTabSz="914400" rtl="0" eaLnBrk="1" latinLnBrk="0" hangingPunct="1">
-        <a:defRPr sz="1800" kern="1200">
+      <a:lvl7pPr marL="2057400" algn="l" defTabSz="685800" rtl="0" eaLnBrk="1" latinLnBrk="0" hangingPunct="1">
+        <a:defRPr sz="1350" kern="1200">
           <a:solidFill>
             <a:schemeClr val="tx1"/>
           </a:solidFill>
@@ -2993,8 +3376,8 @@
           <a:cs typeface="+mn-cs"/>
         </a:defRPr>
       </a:lvl7pPr>
-      <a:lvl8pPr marL="3200400" algn="l" defTabSz="914400" rtl="0" eaLnBrk="1" latinLnBrk="0" hangingPunct="1">
-        <a:defRPr sz="1800" kern="1200">
+      <a:lvl8pPr marL="2400300" algn="l" defTabSz="685800" rtl="0" eaLnBrk="1" latinLnBrk="0" hangingPunct="1">
+        <a:defRPr sz="1350" kern="1200">
           <a:solidFill>
             <a:schemeClr val="tx1"/>
           </a:solidFill>
@@ -3003,8 +3386,8 @@
           <a:cs typeface="+mn-cs"/>
         </a:defRPr>
       </a:lvl8pPr>
-      <a:lvl9pPr marL="3657600" algn="l" defTabSz="914400" rtl="0" eaLnBrk="1" latinLnBrk="0" hangingPunct="1">
-        <a:defRPr sz="1800" kern="1200">
+      <a:lvl9pPr marL="2743200" algn="l" defTabSz="685800" rtl="0" eaLnBrk="1" latinLnBrk="0" hangingPunct="1">
+        <a:defRPr sz="1350" kern="1200">
           <a:solidFill>
             <a:schemeClr val="tx1"/>
           </a:solidFill>
@@ -3051,7 +3434,7 @@
         </p:blipFill>
         <p:spPr>
           <a:xfrm>
-            <a:off x="1524000" y="304800"/>
+            <a:off x="1524000" y="177486"/>
             <a:ext cx="6208368" cy="838200"/>
           </a:xfrm>
           <a:prstGeom prst="rect">
@@ -3068,7 +3451,7 @@
         <p:spPr>
           <a:xfrm>
             <a:off x="914400" y="1125662"/>
-            <a:ext cx="7478709" cy="5732338"/>
+            <a:ext cx="7478709" cy="5663089"/>
           </a:xfrm>
           <a:prstGeom prst="rect">
             <a:avLst/>
@@ -3090,65 +3473,117 @@
             </a:pPr>
             <a:r>
               <a:rPr lang="en-US" sz="3300" b="1" spc="50" dirty="0"/>
-              <a:t> Jobs Recommendation Engine</a:t>
-            </a:r>
-          </a:p>
-          <a:p>
-            <a:pPr lvl="2">
-              <a:buFont typeface="Arial" pitchFamily="34" charset="0"/>
+              <a:t> </a:t>
+            </a:r>
+            <a:r>
+              <a:rPr lang="en-US" sz="3000" b="1" spc="50" dirty="0"/>
+              <a:t>Jobs Recommendation </a:t>
+            </a:r>
+            <a:r>
+              <a:rPr lang="en-US" sz="3000" b="1" spc="50" dirty="0" smtClean="0"/>
+              <a:t>Engine</a:t>
+            </a:r>
+          </a:p>
+          <a:p>
+            <a:pPr marL="800100" lvl="1" indent="-342900">
+              <a:buFont typeface="Arial" panose="020B0604020202020204" pitchFamily="34" charset="0"/>
               <a:buChar char="•"/>
             </a:pPr>
             <a:r>
-              <a:rPr lang="en-US" sz="2500" b="1" spc="50" dirty="0"/>
-              <a:t> </a:t>
-            </a:r>
-            <a:r>
-              <a:rPr lang="en-US" sz="2500" b="1" spc="50" dirty="0" smtClean="0"/>
-              <a:t>Match Jobs For Profile</a:t>
-            </a:r>
-          </a:p>
-          <a:p>
-            <a:pPr lvl="2">
-              <a:buFont typeface="Arial" pitchFamily="34" charset="0"/>
+              <a:rPr lang="en-US" sz="2500" b="1" spc="50" dirty="0" smtClean="0">
+                <a:solidFill>
+                  <a:srgbClr val="0070C0"/>
+                </a:solidFill>
+              </a:rPr>
+              <a:t>Match </a:t>
+            </a:r>
+            <a:r>
+              <a:rPr lang="en-US" sz="2500" b="1" spc="50" dirty="0" smtClean="0">
+                <a:solidFill>
+                  <a:srgbClr val="0070C0"/>
+                </a:solidFill>
+              </a:rPr>
+              <a:t>J</a:t>
+            </a:r>
+            <a:r>
+              <a:rPr lang="en-US" sz="2500" b="1" spc="50" dirty="0" smtClean="0">
+                <a:solidFill>
+                  <a:srgbClr val="0070C0"/>
+                </a:solidFill>
+              </a:rPr>
+              <a:t>obs for a Profile</a:t>
+            </a:r>
+          </a:p>
+          <a:p>
+            <a:pPr marL="800100" lvl="1" indent="-342900">
+              <a:buFont typeface="Arial" panose="020B0604020202020204" pitchFamily="34" charset="0"/>
               <a:buChar char="•"/>
             </a:pPr>
             <a:r>
-              <a:rPr lang="en-US" sz="2500" b="1" spc="50" dirty="0"/>
-              <a:t> </a:t>
-            </a:r>
-            <a:r>
-              <a:rPr lang="en-US" sz="2500" b="1" spc="50" dirty="0" smtClean="0"/>
-              <a:t>Match Criteria can be Skills, Experience,      location, education, connections etc.</a:t>
-            </a:r>
-          </a:p>
-          <a:p>
-            <a:pPr lvl="2">
-              <a:buFont typeface="Arial" pitchFamily="34" charset="0"/>
+              <a:rPr lang="en-US" sz="2500" b="1" spc="50" dirty="0" smtClean="0">
+                <a:solidFill>
+                  <a:srgbClr val="0070C0"/>
+                </a:solidFill>
+              </a:rPr>
+              <a:t>Match Criteria can be Skills, Experience,      Location, Education, Connections etc.</a:t>
+            </a:r>
+          </a:p>
+          <a:p>
+            <a:pPr marL="800100" lvl="1" indent="-342900">
+              <a:buFont typeface="Arial" panose="020B0604020202020204" pitchFamily="34" charset="0"/>
               <a:buChar char="•"/>
             </a:pPr>
             <a:r>
-              <a:rPr lang="en-US" sz="2500" b="1" spc="50" dirty="0"/>
-              <a:t> </a:t>
-            </a:r>
-            <a:r>
-              <a:rPr lang="en-US" sz="2500" b="1" spc="50" dirty="0" smtClean="0"/>
-              <a:t>Calculate Match Score</a:t>
-            </a:r>
-          </a:p>
-          <a:p>
-            <a:pPr lvl="2">
-              <a:buFont typeface="Arial" pitchFamily="34" charset="0"/>
+              <a:rPr lang="en-US" sz="2500" b="1" spc="50" dirty="0" smtClean="0">
+                <a:solidFill>
+                  <a:srgbClr val="0070C0"/>
+                </a:solidFill>
+              </a:rPr>
+              <a:t>Calculate the Match Score</a:t>
+            </a:r>
+          </a:p>
+          <a:p>
+            <a:pPr marL="800100" lvl="1" indent="-342900">
+              <a:buFont typeface="Arial" panose="020B0604020202020204" pitchFamily="34" charset="0"/>
               <a:buChar char="•"/>
             </a:pPr>
             <a:r>
-              <a:rPr lang="en-US" sz="2500" b="1" spc="50" dirty="0" smtClean="0"/>
-              <a:t> Keep Track of All Profiles for Job</a:t>
-            </a:r>
-            <a:r>
-              <a:rPr lang="en-US" sz="2500" b="1" spc="50" dirty="0"/>
+              <a:rPr lang="en-US" sz="2500" b="1" spc="50" dirty="0" smtClean="0">
+                <a:solidFill>
+                  <a:srgbClr val="0070C0"/>
+                </a:solidFill>
+              </a:rPr>
+              <a:t>Track all Strong Profiles </a:t>
+            </a:r>
+            <a:r>
+              <a:rPr lang="en-US" sz="2500" b="1" spc="50" dirty="0" smtClean="0">
+                <a:solidFill>
+                  <a:srgbClr val="0070C0"/>
+                </a:solidFill>
+              </a:rPr>
+              <a:t>for </a:t>
+            </a:r>
+            <a:r>
+              <a:rPr lang="en-US" sz="2500" b="1" spc="50" dirty="0" smtClean="0">
+                <a:solidFill>
+                  <a:srgbClr val="0070C0"/>
+                </a:solidFill>
+              </a:rPr>
+              <a:t>a Job</a:t>
+            </a:r>
+            <a:r>
+              <a:rPr lang="en-US" sz="2500" b="1" spc="50" dirty="0">
+                <a:solidFill>
+                  <a:srgbClr val="0070C0"/>
+                </a:solidFill>
+              </a:rPr>
               <a:t>	</a:t>
             </a:r>
-            <a:endParaRPr lang="en-US" sz="2500" b="1" spc="50" dirty="0" smtClean="0"/>
+            <a:endParaRPr lang="en-US" sz="2500" b="1" spc="50" dirty="0" smtClean="0">
+              <a:solidFill>
+                <a:srgbClr val="0070C0"/>
+              </a:solidFill>
+            </a:endParaRPr>
           </a:p>
           <a:p>
             <a:pPr>
@@ -3163,11 +3598,11 @@
               <a:t> </a:t>
             </a:r>
             <a:r>
-              <a:rPr lang="en-US" sz="3300" b="1" spc="50" dirty="0"/>
-              <a:t>Email </a:t>
-            </a:r>
-            <a:r>
-              <a:rPr lang="en-US" sz="3300" b="1" spc="50" dirty="0" smtClean="0"/>
+              <a:rPr lang="en-US" sz="3000" b="1" spc="50" dirty="0" smtClean="0"/>
+              <a:t>Emails </a:t>
+            </a:r>
+            <a:r>
+              <a:rPr lang="en-US" sz="3000" b="1" spc="50" dirty="0" smtClean="0"/>
               <a:t>Recruiter with Profile list</a:t>
             </a:r>
           </a:p>
@@ -3181,7 +3616,15 @@
             </a:pPr>
             <a:r>
               <a:rPr lang="en-US" sz="3300" b="1" spc="50" dirty="0" smtClean="0"/>
-              <a:t> Display Jobs Widget on Profile</a:t>
+              <a:t> </a:t>
+            </a:r>
+            <a:r>
+              <a:rPr lang="en-US" sz="3000" b="1" spc="50" dirty="0" smtClean="0"/>
+              <a:t>Recommended Jobs </a:t>
+            </a:r>
+            <a:r>
+              <a:rPr lang="en-US" sz="3000" b="1" spc="50" dirty="0" smtClean="0"/>
+              <a:t>Widget on Profile</a:t>
             </a:r>
           </a:p>
           <a:p>
@@ -3193,10 +3636,14 @@
               <a:buChar char="Ø"/>
             </a:pPr>
             <a:r>
-              <a:rPr lang="en-US" sz="3300" b="1" spc="50" dirty="0" smtClean="0"/>
-              <a:t> Jobs Details Page</a:t>
-            </a:r>
-            <a:endParaRPr lang="en-US" sz="3300" b="1" spc="50" dirty="0"/>
+              <a:rPr lang="en-US" sz="3000" b="1" spc="50" dirty="0"/>
+              <a:t> </a:t>
+            </a:r>
+            <a:r>
+              <a:rPr lang="en-US" sz="3000" b="1" spc="50" dirty="0" smtClean="0"/>
+              <a:t>Job Details with Match Criteria</a:t>
+            </a:r>
+            <a:endParaRPr lang="en-US" sz="3000" b="1" spc="50" dirty="0"/>
           </a:p>
         </p:txBody>
       </p:sp>
@@ -3205,6 +3652,341 @@
   <p:clrMapOvr>
     <a:masterClrMapping/>
   </p:clrMapOvr>
+  <p:timing>
+    <p:tnLst>
+      <p:par>
+        <p:cTn id="1" dur="indefinite" restart="never" nodeType="tmRoot"/>
+      </p:par>
+    </p:tnLst>
+  </p:timing>
+</p:sld>
+</file>
+
+<file path=ppt/slides/slide2.xml><?xml version="1.0" encoding="utf-8"?>
+<p:sld xmlns:a="http://schemas.openxmlformats.org/drawingml/2006/main" xmlns:r="http://schemas.openxmlformats.org/officeDocument/2006/relationships" xmlns:p="http://schemas.openxmlformats.org/presentationml/2006/main">
+  <p:cSld>
+    <p:bg>
+      <p:bgPr>
+        <a:solidFill>
+          <a:schemeClr val="bg1">
+            <a:lumMod val="85000"/>
+          </a:schemeClr>
+        </a:solidFill>
+        <a:effectLst/>
+      </p:bgPr>
+    </p:bg>
+    <p:spTree>
+      <p:nvGrpSpPr>
+        <p:cNvPr id="1" name=""/>
+        <p:cNvGrpSpPr/>
+        <p:nvPr/>
+      </p:nvGrpSpPr>
+      <p:grpSpPr>
+        <a:xfrm>
+          <a:off x="0" y="0"/>
+          <a:ext cx="0" cy="0"/>
+          <a:chOff x="0" y="0"/>
+          <a:chExt cx="0" cy="0"/>
+        </a:xfrm>
+      </p:grpSpPr>
+      <p:pic>
+        <p:nvPicPr>
+          <p:cNvPr id="2" name="Picture 1" descr="TitleImage.png"/>
+          <p:cNvPicPr>
+            <a:picLocks noChangeAspect="1"/>
+          </p:cNvPicPr>
+          <p:nvPr/>
+        </p:nvPicPr>
+        <p:blipFill>
+          <a:blip r:embed="rId3" cstate="print"/>
+          <a:stretch>
+            <a:fillRect/>
+          </a:stretch>
+        </p:blipFill>
+        <p:spPr>
+          <a:xfrm>
+            <a:off x="1254890" y="0"/>
+            <a:ext cx="6208368" cy="838200"/>
+          </a:xfrm>
+          <a:prstGeom prst="rect">
+            <a:avLst/>
+          </a:prstGeom>
+        </p:spPr>
+      </p:pic>
+      <p:pic>
+        <p:nvPicPr>
+          <p:cNvPr id="6" name="Picture 5"/>
+          <p:cNvPicPr>
+            <a:picLocks noChangeAspect="1"/>
+          </p:cNvPicPr>
+          <p:nvPr/>
+        </p:nvPicPr>
+        <p:blipFill>
+          <a:blip r:embed="rId4"/>
+          <a:stretch>
+            <a:fillRect/>
+          </a:stretch>
+        </p:blipFill>
+        <p:spPr>
+          <a:xfrm>
+            <a:off x="152401" y="838200"/>
+            <a:ext cx="8915399" cy="2686050"/>
+          </a:xfrm>
+          <a:prstGeom prst="rect">
+            <a:avLst/>
+          </a:prstGeom>
+          <a:ln w="28575">
+            <a:solidFill>
+              <a:schemeClr val="tx1"/>
+            </a:solidFill>
+          </a:ln>
+        </p:spPr>
+      </p:pic>
+      <p:pic>
+        <p:nvPicPr>
+          <p:cNvPr id="7" name="Picture 6"/>
+          <p:cNvPicPr>
+            <a:picLocks noChangeAspect="1"/>
+          </p:cNvPicPr>
+          <p:nvPr/>
+        </p:nvPicPr>
+        <p:blipFill>
+          <a:blip r:embed="rId5"/>
+          <a:stretch>
+            <a:fillRect/>
+          </a:stretch>
+        </p:blipFill>
+        <p:spPr>
+          <a:xfrm>
+            <a:off x="1563907" y="2736328"/>
+            <a:ext cx="3067050" cy="4105275"/>
+          </a:xfrm>
+          <a:prstGeom prst="rect">
+            <a:avLst/>
+          </a:prstGeom>
+        </p:spPr>
+      </p:pic>
+      <p:pic>
+        <p:nvPicPr>
+          <p:cNvPr id="8" name="Picture 7"/>
+          <p:cNvPicPr>
+            <a:picLocks noChangeAspect="1"/>
+          </p:cNvPicPr>
+          <p:nvPr/>
+        </p:nvPicPr>
+        <p:blipFill>
+          <a:blip r:embed="rId6"/>
+          <a:stretch>
+            <a:fillRect/>
+          </a:stretch>
+        </p:blipFill>
+        <p:spPr>
+          <a:xfrm>
+            <a:off x="5093825" y="4029837"/>
+            <a:ext cx="3867992" cy="2740450"/>
+          </a:xfrm>
+          <a:prstGeom prst="rect">
+            <a:avLst/>
+          </a:prstGeom>
+          <a:ln w="28575">
+            <a:solidFill>
+              <a:srgbClr val="0070C0"/>
+            </a:solidFill>
+          </a:ln>
+          <a:effectLst>
+            <a:innerShdw blurRad="63500" dist="50800" dir="13500000">
+              <a:srgbClr val="0070C0">
+                <a:alpha val="50000"/>
+              </a:srgbClr>
+            </a:innerShdw>
+          </a:effectLst>
+          <a:scene3d>
+            <a:camera prst="orthographicFront">
+              <a:rot lat="0" lon="0" rev="0"/>
+            </a:camera>
+            <a:lightRig rig="glow" dir="t">
+              <a:rot lat="0" lon="0" rev="4800000"/>
+            </a:lightRig>
+          </a:scene3d>
+          <a:sp3d prstMaterial="matte">
+            <a:bevelT w="127000" h="63500"/>
+          </a:sp3d>
+        </p:spPr>
+      </p:pic>
+      <p:sp>
+        <p:nvSpPr>
+          <p:cNvPr id="10" name="Rectangle 9"/>
+          <p:cNvSpPr/>
+          <p:nvPr/>
+        </p:nvSpPr>
+        <p:spPr>
+          <a:xfrm rot="16200000">
+            <a:off x="-128509" y="4786647"/>
+            <a:ext cx="2795933" cy="584775"/>
+          </a:xfrm>
+          <a:prstGeom prst="rect">
+            <a:avLst/>
+          </a:prstGeom>
+        </p:spPr>
+        <p:txBody>
+          <a:bodyPr wrap="square">
+            <a:spAutoFit/>
+          </a:bodyPr>
+          <a:lstStyle/>
+          <a:p>
+            <a:pPr algn="ctr"/>
+            <a:r>
+              <a:rPr lang="en-US" sz="3200" dirty="0" smtClean="0">
+                <a:ln w="0"/>
+                <a:gradFill>
+                  <a:gsLst>
+                    <a:gs pos="0">
+                      <a:schemeClr val="accent5">
+                        <a:lumMod val="50000"/>
+                      </a:schemeClr>
+                    </a:gs>
+                    <a:gs pos="50000">
+                      <a:schemeClr val="accent5"/>
+                    </a:gs>
+                    <a:gs pos="100000">
+                      <a:schemeClr val="accent5">
+                        <a:lumMod val="60000"/>
+                        <a:lumOff val="40000"/>
+                      </a:schemeClr>
+                    </a:gs>
+                  </a:gsLst>
+                  <a:lin ang="5400000"/>
+                </a:gradFill>
+                <a:effectLst>
+                  <a:reflection blurRad="6350" stA="53000" endA="300" endPos="35500" dir="5400000" sy="-90000" algn="bl" rotWithShape="0"/>
+                </a:effectLst>
+              </a:rPr>
+              <a:t>Jobs Widget</a:t>
+            </a:r>
+            <a:endParaRPr lang="en-US" sz="3200" dirty="0">
+              <a:ln w="0"/>
+              <a:gradFill>
+                <a:gsLst>
+                  <a:gs pos="0">
+                    <a:schemeClr val="accent5">
+                      <a:lumMod val="50000"/>
+                    </a:schemeClr>
+                  </a:gs>
+                  <a:gs pos="50000">
+                    <a:schemeClr val="accent5"/>
+                  </a:gs>
+                  <a:gs pos="100000">
+                    <a:schemeClr val="accent5">
+                      <a:lumMod val="60000"/>
+                      <a:lumOff val="40000"/>
+                    </a:schemeClr>
+                  </a:gs>
+                </a:gsLst>
+                <a:lin ang="5400000"/>
+              </a:gradFill>
+              <a:effectLst>
+                <a:reflection blurRad="6350" stA="53000" endA="300" endPos="35500" dir="5400000" sy="-90000" algn="bl" rotWithShape="0"/>
+              </a:effectLst>
+            </a:endParaRPr>
+          </a:p>
+        </p:txBody>
+      </p:sp>
+      <p:sp>
+        <p:nvSpPr>
+          <p:cNvPr id="14" name="Rectangle 13"/>
+          <p:cNvSpPr/>
+          <p:nvPr/>
+        </p:nvSpPr>
+        <p:spPr>
+          <a:xfrm>
+            <a:off x="5689703" y="3499774"/>
+            <a:ext cx="2718565" cy="584775"/>
+          </a:xfrm>
+          <a:prstGeom prst="rect">
+            <a:avLst/>
+          </a:prstGeom>
+          <a:noFill/>
+        </p:spPr>
+        <p:txBody>
+          <a:bodyPr wrap="none" lIns="91440" tIns="45720" rIns="91440" bIns="45720">
+            <a:spAutoFit/>
+          </a:bodyPr>
+          <a:lstStyle/>
+          <a:p>
+            <a:pPr algn="ctr"/>
+            <a:r>
+              <a:rPr lang="en-US" sz="3200" b="0" cap="none" spc="0" dirty="0" smtClean="0">
+                <a:ln w="0"/>
+                <a:gradFill>
+                  <a:gsLst>
+                    <a:gs pos="0">
+                      <a:schemeClr val="accent5">
+                        <a:lumMod val="50000"/>
+                      </a:schemeClr>
+                    </a:gs>
+                    <a:gs pos="50000">
+                      <a:schemeClr val="accent5"/>
+                    </a:gs>
+                    <a:gs pos="100000">
+                      <a:schemeClr val="accent5">
+                        <a:lumMod val="60000"/>
+                        <a:lumOff val="40000"/>
+                      </a:schemeClr>
+                    </a:gs>
+                  </a:gsLst>
+                  <a:lin ang="5400000"/>
+                </a:gradFill>
+                <a:effectLst>
+                  <a:reflection blurRad="6350" stA="53000" endA="300" endPos="35500" dir="5400000" sy="-90000" algn="bl" rotWithShape="0"/>
+                </a:effectLst>
+              </a:rPr>
+              <a:t>Recruiter Email</a:t>
+            </a:r>
+            <a:endParaRPr lang="en-US" sz="3200" b="0" cap="none" spc="0" dirty="0">
+              <a:ln w="0"/>
+              <a:gradFill>
+                <a:gsLst>
+                  <a:gs pos="0">
+                    <a:schemeClr val="accent5">
+                      <a:lumMod val="50000"/>
+                    </a:schemeClr>
+                  </a:gs>
+                  <a:gs pos="50000">
+                    <a:schemeClr val="accent5"/>
+                  </a:gs>
+                  <a:gs pos="100000">
+                    <a:schemeClr val="accent5">
+                      <a:lumMod val="60000"/>
+                      <a:lumOff val="40000"/>
+                    </a:schemeClr>
+                  </a:gs>
+                </a:gsLst>
+                <a:lin ang="5400000"/>
+              </a:gradFill>
+              <a:effectLst>
+                <a:reflection blurRad="6350" stA="53000" endA="300" endPos="35500" dir="5400000" sy="-90000" algn="bl" rotWithShape="0"/>
+              </a:effectLst>
+            </a:endParaRPr>
+          </a:p>
+        </p:txBody>
+      </p:sp>
+    </p:spTree>
+    <p:extLst>
+      <p:ext uri="{BB962C8B-B14F-4D97-AF65-F5344CB8AC3E}">
+        <p14:creationId xmlns:p14="http://schemas.microsoft.com/office/powerpoint/2010/main" val="10598894"/>
+      </p:ext>
+    </p:extLst>
+  </p:cSld>
+  <p:clrMapOvr>
+    <a:masterClrMapping/>
+  </p:clrMapOvr>
+  <p:timing>
+    <p:tnLst>
+      <p:par>
+        <p:cTn id="1" dur="indefinite" restart="never" nodeType="tmRoot"/>
+      </p:par>
+    </p:tnLst>
+  </p:timing>
 </p:sld>
 </file>
 
@@ -3219,39 +4001,39 @@
         <a:sysClr val="window" lastClr="FFFFFF"/>
       </a:lt1>
       <a:dk2>
-        <a:srgbClr val="1F497D"/>
+        <a:srgbClr val="44546A"/>
       </a:dk2>
       <a:lt2>
-        <a:srgbClr val="EEECE1"/>
+        <a:srgbClr val="E7E6E6"/>
       </a:lt2>
       <a:accent1>
-        <a:srgbClr val="4F81BD"/>
+        <a:srgbClr val="5B9BD5"/>
       </a:accent1>
       <a:accent2>
-        <a:srgbClr val="C0504D"/>
+        <a:srgbClr val="ED7D31"/>
       </a:accent2>
       <a:accent3>
-        <a:srgbClr val="9BBB59"/>
+        <a:srgbClr val="A5A5A5"/>
       </a:accent3>
       <a:accent4>
-        <a:srgbClr val="8064A2"/>
+        <a:srgbClr val="FFC000"/>
       </a:accent4>
       <a:accent5>
-        <a:srgbClr val="4BACC6"/>
+        <a:srgbClr val="4472C4"/>
       </a:accent5>
       <a:accent6>
-        <a:srgbClr val="F79646"/>
+        <a:srgbClr val="70AD47"/>
       </a:accent6>
       <a:hlink>
-        <a:srgbClr val="0000FF"/>
+        <a:srgbClr val="0563C1"/>
       </a:hlink>
       <a:folHlink>
-        <a:srgbClr val="800080"/>
+        <a:srgbClr val="954F72"/>
       </a:folHlink>
     </a:clrScheme>
     <a:fontScheme name="Office">
       <a:majorFont>
-        <a:latin typeface="Calibri"/>
+        <a:latin typeface="Calibri Light" panose="020F0302020204030204"/>
         <a:ea typeface=""/>
         <a:cs typeface=""/>
         <a:font script="Jpan" typeface="ＭＳ Ｐゴシック"/>
@@ -3283,9 +4065,10 @@
         <a:font script="Mong" typeface="Mongolian Baiti"/>
         <a:font script="Viet" typeface="Times New Roman"/>
         <a:font script="Uigh" typeface="Microsoft Uighur"/>
+        <a:font script="Geor" typeface="Sylfaen"/>
       </a:majorFont>
       <a:minorFont>
-        <a:latin typeface="Calibri"/>
+        <a:latin typeface="Calibri" panose="020F0502020204030204"/>
         <a:ea typeface=""/>
         <a:cs typeface=""/>
         <a:font script="Jpan" typeface="ＭＳ Ｐゴシック"/>
@@ -3317,6 +4100,7 @@
         <a:font script="Mong" typeface="Mongolian Baiti"/>
         <a:font script="Viet" typeface="Arial"/>
         <a:font script="Uigh" typeface="Microsoft Uighur"/>
+        <a:font script="Geor" typeface="Sylfaen"/>
       </a:minorFont>
     </a:fontScheme>
     <a:fmtScheme name="Office">
@@ -3328,113 +4112,260 @@
           <a:gsLst>
             <a:gs pos="0">
               <a:schemeClr val="phClr">
-                <a:tint val="50000"/>
-                <a:satMod val="300000"/>
+                <a:lumMod val="110000"/>
+                <a:satMod val="105000"/>
+                <a:tint val="67000"/>
               </a:schemeClr>
             </a:gs>
-            <a:gs pos="35000">
+            <a:gs pos="50000">
               <a:schemeClr val="phClr">
-                <a:tint val="37000"/>
-                <a:satMod val="300000"/>
+                <a:lumMod val="105000"/>
+                <a:satMod val="103000"/>
+                <a:tint val="73000"/>
               </a:schemeClr>
             </a:gs>
             <a:gs pos="100000">
               <a:schemeClr val="phClr">
-                <a:tint val="15000"/>
-                <a:satMod val="350000"/>
+                <a:lumMod val="105000"/>
+                <a:satMod val="109000"/>
+                <a:tint val="81000"/>
               </a:schemeClr>
             </a:gs>
           </a:gsLst>
-          <a:lin ang="16200000" scaled="1"/>
+          <a:lin ang="5400000" scaled="0"/>
         </a:gradFill>
         <a:gradFill rotWithShape="1">
           <a:gsLst>
             <a:gs pos="0">
               <a:schemeClr val="phClr">
-                <a:shade val="51000"/>
-                <a:satMod val="130000"/>
+                <a:satMod val="103000"/>
+                <a:lumMod val="102000"/>
+                <a:tint val="94000"/>
               </a:schemeClr>
             </a:gs>
-            <a:gs pos="80000">
+            <a:gs pos="50000">
               <a:schemeClr val="phClr">
-                <a:shade val="93000"/>
-                <a:satMod val="130000"/>
+                <a:satMod val="110000"/>
+                <a:lumMod val="100000"/>
+                <a:shade val="100000"/>
               </a:schemeClr>
             </a:gs>
             <a:gs pos="100000">
               <a:schemeClr val="phClr">
-                <a:shade val="94000"/>
-                <a:satMod val="135000"/>
+                <a:lumMod val="99000"/>
+                <a:satMod val="120000"/>
+                <a:shade val="78000"/>
               </a:schemeClr>
             </a:gs>
           </a:gsLst>
-          <a:lin ang="16200000" scaled="0"/>
+          <a:lin ang="5400000" scaled="0"/>
         </a:gradFill>
       </a:fillStyleLst>
       <a:lnStyleLst>
-        <a:ln w="9525" cap="flat" cmpd="sng" algn="ctr">
-          <a:solidFill>
-            <a:schemeClr val="phClr">
-              <a:shade val="95000"/>
-              <a:satMod val="105000"/>
-            </a:schemeClr>
-          </a:solidFill>
-          <a:prstDash val="solid"/>
-        </a:ln>
-        <a:ln w="25400" cap="flat" cmpd="sng" algn="ctr">
+        <a:ln w="6350" cap="flat" cmpd="sng" algn="ctr">
           <a:solidFill>
             <a:schemeClr val="phClr"/>
           </a:solidFill>
           <a:prstDash val="solid"/>
+          <a:miter lim="800000"/>
         </a:ln>
-        <a:ln w="38100" cap="flat" cmpd="sng" algn="ctr">
+        <a:ln w="12700" cap="flat" cmpd="sng" algn="ctr">
           <a:solidFill>
             <a:schemeClr val="phClr"/>
           </a:solidFill>
           <a:prstDash val="solid"/>
+          <a:miter lim="800000"/>
+        </a:ln>
+        <a:ln w="19050" cap="flat" cmpd="sng" algn="ctr">
+          <a:solidFill>
+            <a:schemeClr val="phClr"/>
+          </a:solidFill>
+          <a:prstDash val="solid"/>
+          <a:miter lim="800000"/>
         </a:ln>
       </a:lnStyleLst>
       <a:effectStyleLst>
         <a:effectStyle>
+          <a:effectLst/>
+        </a:effectStyle>
+        <a:effectStyle>
+          <a:effectLst/>
+        </a:effectStyle>
+        <a:effectStyle>
           <a:effectLst>
-            <a:outerShdw blurRad="40000" dist="20000" dir="5400000" rotWithShape="0">
+            <a:outerShdw blurRad="57150" dist="19050" dir="5400000" algn="ctr" rotWithShape="0">
               <a:srgbClr val="000000">
-                <a:alpha val="38000"/>
+                <a:alpha val="63000"/>
               </a:srgbClr>
             </a:outerShdw>
           </a:effectLst>
         </a:effectStyle>
-        <a:effectStyle>
-          <a:effectLst>
-            <a:outerShdw blurRad="40000" dist="23000" dir="5400000" rotWithShape="0">
-              <a:srgbClr val="000000">
-                <a:alpha val="35000"/>
-              </a:srgbClr>
-            </a:outerShdw>
-          </a:effectLst>
-        </a:effectStyle>
-        <a:effectStyle>
-          <a:effectLst>
-            <a:outerShdw blurRad="40000" dist="23000" dir="5400000" rotWithShape="0">
-              <a:srgbClr val="000000">
-                <a:alpha val="35000"/>
-              </a:srgbClr>
-            </a:outerShdw>
-          </a:effectLst>
-          <a:scene3d>
-            <a:camera prst="orthographicFront">
-              <a:rot lat="0" lon="0" rev="0"/>
-            </a:camera>
-            <a:lightRig rig="threePt" dir="t">
-              <a:rot lat="0" lon="0" rev="1200000"/>
-            </a:lightRig>
-          </a:scene3d>
-          <a:sp3d>
-            <a:bevelT w="63500" h="25400"/>
-          </a:sp3d>
-        </a:effectStyle>
       </a:effectStyleLst>
       <a:bgFillStyleLst>
+        <a:solidFill>
+          <a:schemeClr val="phClr"/>
+        </a:solidFill>
+        <a:solidFill>
+          <a:schemeClr val="phClr">
+            <a:tint val="95000"/>
+            <a:satMod val="170000"/>
+          </a:schemeClr>
+        </a:solidFill>
+        <a:gradFill rotWithShape="1">
+          <a:gsLst>
+            <a:gs pos="0">
+              <a:schemeClr val="phClr">
+                <a:tint val="93000"/>
+                <a:satMod val="150000"/>
+                <a:shade val="98000"/>
+                <a:lumMod val="102000"/>
+              </a:schemeClr>
+            </a:gs>
+            <a:gs pos="50000">
+              <a:schemeClr val="phClr">
+                <a:tint val="98000"/>
+                <a:satMod val="130000"/>
+                <a:shade val="90000"/>
+                <a:lumMod val="103000"/>
+              </a:schemeClr>
+            </a:gs>
+            <a:gs pos="100000">
+              <a:schemeClr val="phClr">
+                <a:shade val="63000"/>
+                <a:satMod val="120000"/>
+              </a:schemeClr>
+            </a:gs>
+          </a:gsLst>
+          <a:lin ang="5400000" scaled="0"/>
+        </a:gradFill>
+      </a:bgFillStyleLst>
+    </a:fmtScheme>
+  </a:themeElements>
+  <a:objectDefaults/>
+  <a:extraClrSchemeLst/>
+  <a:extLst>
+    <a:ext uri="{05A4C25C-085E-4340-85A3-A5531E510DB2}">
+      <thm15:themeFamily xmlns:thm15="http://schemas.microsoft.com/office/thememl/2012/main" name="Office Theme" id="{62F939B6-93AF-4DB8-9C6B-D6C7DFDC589F}" vid="{4A3C46E8-61CC-4603-A589-7422A47A8E4A}"/>
+    </a:ext>
+  </a:extLst>
+</a:theme>
+</file>
+
+<file path=ppt/theme/theme2.xml><?xml version="1.0" encoding="utf-8"?>
+<a:theme xmlns:a="http://schemas.openxmlformats.org/drawingml/2006/main" name="Office Theme">
+  <a:themeElements>
+    <a:clrScheme name="Office">
+      <a:dk1>
+        <a:sysClr val="windowText" lastClr="000000"/>
+      </a:dk1>
+      <a:lt1>
+        <a:sysClr val="window" lastClr="FFFFFF"/>
+      </a:lt1>
+      <a:dk2>
+        <a:srgbClr val="44546A"/>
+      </a:dk2>
+      <a:lt2>
+        <a:srgbClr val="E7E6E6"/>
+      </a:lt2>
+      <a:accent1>
+        <a:srgbClr val="5B9BD5"/>
+      </a:accent1>
+      <a:accent2>
+        <a:srgbClr val="ED7D31"/>
+      </a:accent2>
+      <a:accent3>
+        <a:srgbClr val="A5A5A5"/>
+      </a:accent3>
+      <a:accent4>
+        <a:srgbClr val="FFC000"/>
+      </a:accent4>
+      <a:accent5>
+        <a:srgbClr val="4472C4"/>
+      </a:accent5>
+      <a:accent6>
+        <a:srgbClr val="70AD47"/>
+      </a:accent6>
+      <a:hlink>
+        <a:srgbClr val="0563C1"/>
+      </a:hlink>
+      <a:folHlink>
+        <a:srgbClr val="954F72"/>
+      </a:folHlink>
+    </a:clrScheme>
+    <a:fontScheme name="Office">
+      <a:majorFont>
+        <a:latin typeface="Calibri Light" panose="020F0302020204030204"/>
+        <a:ea typeface=""/>
+        <a:cs typeface=""/>
+        <a:font script="Jpan" typeface="ＭＳ Ｐゴシック"/>
+        <a:font script="Hang" typeface="맑은 고딕"/>
+        <a:font script="Hans" typeface="宋体"/>
+        <a:font script="Hant" typeface="新細明體"/>
+        <a:font script="Arab" typeface="Times New Roman"/>
+        <a:font script="Hebr" typeface="Times New Roman"/>
+        <a:font script="Thai" typeface="Angsana New"/>
+        <a:font script="Ethi" typeface="Nyala"/>
+        <a:font script="Beng" typeface="Vrinda"/>
+        <a:font script="Gujr" typeface="Shruti"/>
+        <a:font script="Khmr" typeface="MoolBoran"/>
+        <a:font script="Knda" typeface="Tunga"/>
+        <a:font script="Guru" typeface="Raavi"/>
+        <a:font script="Cans" typeface="Euphemia"/>
+        <a:font script="Cher" typeface="Plantagenet Cherokee"/>
+        <a:font script="Yiii" typeface="Microsoft Yi Baiti"/>
+        <a:font script="Tibt" typeface="Microsoft Himalaya"/>
+        <a:font script="Thaa" typeface="MV Boli"/>
+        <a:font script="Deva" typeface="Mangal"/>
+        <a:font script="Telu" typeface="Gautami"/>
+        <a:font script="Taml" typeface="Latha"/>
+        <a:font script="Syrc" typeface="Estrangelo Edessa"/>
+        <a:font script="Orya" typeface="Kalinga"/>
+        <a:font script="Mlym" typeface="Kartika"/>
+        <a:font script="Laoo" typeface="DokChampa"/>
+        <a:font script="Sinh" typeface="Iskoola Pota"/>
+        <a:font script="Mong" typeface="Mongolian Baiti"/>
+        <a:font script="Viet" typeface="Times New Roman"/>
+        <a:font script="Uigh" typeface="Microsoft Uighur"/>
+        <a:font script="Geor" typeface="Sylfaen"/>
+      </a:majorFont>
+      <a:minorFont>
+        <a:latin typeface="Calibri" panose="020F0502020204030204"/>
+        <a:ea typeface=""/>
+        <a:cs typeface=""/>
+        <a:font script="Jpan" typeface="ＭＳ Ｐゴシック"/>
+        <a:font script="Hang" typeface="맑은 고딕"/>
+        <a:font script="Hans" typeface="宋体"/>
+        <a:font script="Hant" typeface="新細明體"/>
+        <a:font script="Arab" typeface="Arial"/>
+        <a:font script="Hebr" typeface="Arial"/>
+        <a:font script="Thai" typeface="Cordia New"/>
+        <a:font script="Ethi" typeface="Nyala"/>
+        <a:font script="Beng" typeface="Vrinda"/>
+        <a:font script="Gujr" typeface="Shruti"/>
+        <a:font script="Khmr" typeface="DaunPenh"/>
+        <a:font script="Knda" typeface="Tunga"/>
+        <a:font script="Guru" typeface="Raavi"/>
+        <a:font script="Cans" typeface="Euphemia"/>
+        <a:font script="Cher" typeface="Plantagenet Cherokee"/>
+        <a:font script="Yiii" typeface="Microsoft Yi Baiti"/>
+        <a:font script="Tibt" typeface="Microsoft Himalaya"/>
+        <a:font script="Thaa" typeface="MV Boli"/>
+        <a:font script="Deva" typeface="Mangal"/>
+        <a:font script="Telu" typeface="Gautami"/>
+        <a:font script="Taml" typeface="Latha"/>
+        <a:font script="Syrc" typeface="Estrangelo Edessa"/>
+        <a:font script="Orya" typeface="Kalinga"/>
+        <a:font script="Mlym" typeface="Kartika"/>
+        <a:font script="Laoo" typeface="DokChampa"/>
+        <a:font script="Sinh" typeface="Iskoola Pota"/>
+        <a:font script="Mong" typeface="Mongolian Baiti"/>
+        <a:font script="Viet" typeface="Arial"/>
+        <a:font script="Uigh" typeface="Microsoft Uighur"/>
+        <a:font script="Geor" typeface="Sylfaen"/>
+      </a:minorFont>
+    </a:fontScheme>
+    <a:fmtScheme name="Office">
+      <a:fillStyleLst>
         <a:solidFill>
           <a:schemeClr val="phClr"/>
         </a:solidFill>
@@ -3442,51 +4373,141 @@
           <a:gsLst>
             <a:gs pos="0">
               <a:schemeClr val="phClr">
-                <a:tint val="40000"/>
-                <a:satMod val="350000"/>
+                <a:lumMod val="110000"/>
+                <a:satMod val="105000"/>
+                <a:tint val="67000"/>
               </a:schemeClr>
             </a:gs>
-            <a:gs pos="40000">
+            <a:gs pos="50000">
               <a:schemeClr val="phClr">
-                <a:tint val="45000"/>
-                <a:shade val="99000"/>
-                <a:satMod val="350000"/>
+                <a:lumMod val="105000"/>
+                <a:satMod val="103000"/>
+                <a:tint val="73000"/>
               </a:schemeClr>
             </a:gs>
             <a:gs pos="100000">
               <a:schemeClr val="phClr">
-                <a:shade val="20000"/>
-                <a:satMod val="255000"/>
+                <a:lumMod val="105000"/>
+                <a:satMod val="109000"/>
+                <a:tint val="81000"/>
               </a:schemeClr>
             </a:gs>
           </a:gsLst>
-          <a:path path="circle">
-            <a:fillToRect l="50000" t="-80000" r="50000" b="180000"/>
-          </a:path>
+          <a:lin ang="5400000" scaled="0"/>
         </a:gradFill>
         <a:gradFill rotWithShape="1">
           <a:gsLst>
             <a:gs pos="0">
               <a:schemeClr val="phClr">
-                <a:tint val="80000"/>
-                <a:satMod val="300000"/>
+                <a:satMod val="103000"/>
+                <a:lumMod val="102000"/>
+                <a:tint val="94000"/>
+              </a:schemeClr>
+            </a:gs>
+            <a:gs pos="50000">
+              <a:schemeClr val="phClr">
+                <a:satMod val="110000"/>
+                <a:lumMod val="100000"/>
+                <a:shade val="100000"/>
               </a:schemeClr>
             </a:gs>
             <a:gs pos="100000">
               <a:schemeClr val="phClr">
-                <a:shade val="30000"/>
-                <a:satMod val="200000"/>
+                <a:lumMod val="99000"/>
+                <a:satMod val="120000"/>
+                <a:shade val="78000"/>
               </a:schemeClr>
             </a:gs>
           </a:gsLst>
-          <a:path path="circle">
-            <a:fillToRect l="50000" t="50000" r="50000" b="50000"/>
-          </a:path>
+          <a:lin ang="5400000" scaled="0"/>
+        </a:gradFill>
+      </a:fillStyleLst>
+      <a:lnStyleLst>
+        <a:ln w="6350" cap="flat" cmpd="sng" algn="ctr">
+          <a:solidFill>
+            <a:schemeClr val="phClr"/>
+          </a:solidFill>
+          <a:prstDash val="solid"/>
+          <a:miter lim="800000"/>
+        </a:ln>
+        <a:ln w="12700" cap="flat" cmpd="sng" algn="ctr">
+          <a:solidFill>
+            <a:schemeClr val="phClr"/>
+          </a:solidFill>
+          <a:prstDash val="solid"/>
+          <a:miter lim="800000"/>
+        </a:ln>
+        <a:ln w="19050" cap="flat" cmpd="sng" algn="ctr">
+          <a:solidFill>
+            <a:schemeClr val="phClr"/>
+          </a:solidFill>
+          <a:prstDash val="solid"/>
+          <a:miter lim="800000"/>
+        </a:ln>
+      </a:lnStyleLst>
+      <a:effectStyleLst>
+        <a:effectStyle>
+          <a:effectLst/>
+        </a:effectStyle>
+        <a:effectStyle>
+          <a:effectLst/>
+        </a:effectStyle>
+        <a:effectStyle>
+          <a:effectLst>
+            <a:outerShdw blurRad="57150" dist="19050" dir="5400000" algn="ctr" rotWithShape="0">
+              <a:srgbClr val="000000">
+                <a:alpha val="63000"/>
+              </a:srgbClr>
+            </a:outerShdw>
+          </a:effectLst>
+        </a:effectStyle>
+      </a:effectStyleLst>
+      <a:bgFillStyleLst>
+        <a:solidFill>
+          <a:schemeClr val="phClr"/>
+        </a:solidFill>
+        <a:solidFill>
+          <a:schemeClr val="phClr">
+            <a:tint val="95000"/>
+            <a:satMod val="170000"/>
+          </a:schemeClr>
+        </a:solidFill>
+        <a:gradFill rotWithShape="1">
+          <a:gsLst>
+            <a:gs pos="0">
+              <a:schemeClr val="phClr">
+                <a:tint val="93000"/>
+                <a:satMod val="150000"/>
+                <a:shade val="98000"/>
+                <a:lumMod val="102000"/>
+              </a:schemeClr>
+            </a:gs>
+            <a:gs pos="50000">
+              <a:schemeClr val="phClr">
+                <a:tint val="98000"/>
+                <a:satMod val="130000"/>
+                <a:shade val="90000"/>
+                <a:lumMod val="103000"/>
+              </a:schemeClr>
+            </a:gs>
+            <a:gs pos="100000">
+              <a:schemeClr val="phClr">
+                <a:shade val="63000"/>
+                <a:satMod val="120000"/>
+              </a:schemeClr>
+            </a:gs>
+          </a:gsLst>
+          <a:lin ang="5400000" scaled="0"/>
         </a:gradFill>
       </a:bgFillStyleLst>
     </a:fmtScheme>
   </a:themeElements>
   <a:objectDefaults/>
   <a:extraClrSchemeLst/>
+  <a:extLst>
+    <a:ext uri="{05A4C25C-085E-4340-85A3-A5531E510DB2}">
+      <thm15:themeFamily xmlns:thm15="http://schemas.microsoft.com/office/thememl/2012/main" name="Office Theme" id="{62F939B6-93AF-4DB8-9C6B-D6C7DFDC589F}" vid="{4A3C46E8-61CC-4603-A589-7422A47A8E4A}"/>
+    </a:ext>
+  </a:extLst>
 </a:theme>
 </file>